--- a/Later/Java_Later/API/6/Web Services Overview.pptx
+++ b/Later/Java_Later/API/6/Web Services Overview.pptx
@@ -5,10 +5,13 @@
     <p:sldMasterId id="2147483672" r:id="rId1"/>
   </p:sldMasterIdLst>
   <p:notesMasterIdLst>
-    <p:notesMasterId r:id="rId3"/>
+    <p:notesMasterId r:id="rId6"/>
   </p:notesMasterIdLst>
   <p:sldIdLst>
-    <p:sldId id="474" r:id="rId2"/>
+    <p:sldId id="475" r:id="rId2"/>
+    <p:sldId id="476" r:id="rId3"/>
+    <p:sldId id="477" r:id="rId4"/>
+    <p:sldId id="478" r:id="rId5"/>
   </p:sldIdLst>
   <p:sldSz cx="9144000" cy="5029200"/>
   <p:notesSz cx="6858000" cy="9144000"/>
@@ -109,7 +112,7 @@
   </p:defaultTextStyle>
   <p:extLst>
     <p:ext uri="{EFAFB233-063F-42B5-8137-9DF3F51BA10A}">
-      <p15:sldGuideLst xmlns:p15="http://schemas.microsoft.com/office/powerpoint/2012/main">
+      <p15:sldGuideLst xmlns:p15="http://schemas.microsoft.com/office/powerpoint/2012/main" xmlns="">
         <p15:guide id="1" orient="horz" pos="1585">
           <p15:clr>
             <a:srgbClr val="A4A3A4"/>
@@ -123,7 +126,7 @@
       </p15:sldGuideLst>
     </p:ext>
     <p:ext uri="{2D200454-40CA-4A62-9FC3-DE9A4176ACB9}">
-      <p15:notesGuideLst xmlns:p15="http://schemas.microsoft.com/office/powerpoint/2012/main">
+      <p15:notesGuideLst xmlns:p15="http://schemas.microsoft.com/office/powerpoint/2012/main" xmlns="">
         <p15:guide id="1" orient="horz" pos="2880">
           <p15:clr>
             <a:srgbClr val="A4A3A4"/>
@@ -222,7 +225,7 @@
           <a:p>
             <a:fld id="{62274EC6-3890-417B-9308-14EFBD00FA63}" type="datetimeFigureOut">
               <a:rPr lang="en-US" smtClean="0"/>
-              <a:t>6/16/2020</a:t>
+              <a:t>6/17/2020</a:t>
             </a:fld>
             <a:endParaRPr lang="en-US" dirty="0"/>
           </a:p>
@@ -579,6 +582,273 @@
 </p:notes>
 </file>
 
+<file path=ppt/notesSlides/notesSlide2.xml><?xml version="1.0" encoding="utf-8"?>
+<p:notes xmlns:a="http://schemas.openxmlformats.org/drawingml/2006/main" xmlns:r="http://schemas.openxmlformats.org/officeDocument/2006/relationships" xmlns:p="http://schemas.openxmlformats.org/presentationml/2006/main">
+  <p:cSld>
+    <p:spTree>
+      <p:nvGrpSpPr>
+        <p:cNvPr id="1" name=""/>
+        <p:cNvGrpSpPr/>
+        <p:nvPr/>
+      </p:nvGrpSpPr>
+      <p:grpSpPr>
+        <a:xfrm>
+          <a:off x="0" y="0"/>
+          <a:ext cx="0" cy="0"/>
+          <a:chOff x="0" y="0"/>
+          <a:chExt cx="0" cy="0"/>
+        </a:xfrm>
+      </p:grpSpPr>
+      <p:sp>
+        <p:nvSpPr>
+          <p:cNvPr id="2" name="Slide Image Placeholder 1"/>
+          <p:cNvSpPr>
+            <a:spLocks noGrp="1" noRot="1" noChangeAspect="1"/>
+          </p:cNvSpPr>
+          <p:nvPr>
+            <p:ph type="sldImg"/>
+          </p:nvPr>
+        </p:nvSpPr>
+        <p:spPr>
+          <a:xfrm>
+            <a:off x="312738" y="685800"/>
+            <a:ext cx="6232525" cy="3429000"/>
+          </a:xfrm>
+        </p:spPr>
+      </p:sp>
+      <p:sp>
+        <p:nvSpPr>
+          <p:cNvPr id="3" name="Notes Placeholder 2"/>
+          <p:cNvSpPr>
+            <a:spLocks noGrp="1"/>
+          </p:cNvSpPr>
+          <p:nvPr>
+            <p:ph type="body" idx="1"/>
+          </p:nvPr>
+        </p:nvSpPr>
+        <p:spPr/>
+        <p:txBody>
+          <a:bodyPr/>
+          <a:lstStyle/>
+          <a:p>
+            <a:endParaRPr lang="en-US" dirty="0"/>
+          </a:p>
+        </p:txBody>
+      </p:sp>
+      <p:sp>
+        <p:nvSpPr>
+          <p:cNvPr id="4" name="Slide Number Placeholder 3"/>
+          <p:cNvSpPr>
+            <a:spLocks noGrp="1"/>
+          </p:cNvSpPr>
+          <p:nvPr>
+            <p:ph type="sldNum" sz="quarter" idx="10"/>
+          </p:nvPr>
+        </p:nvSpPr>
+        <p:spPr/>
+        <p:txBody>
+          <a:bodyPr/>
+          <a:lstStyle/>
+          <a:p>
+            <a:fld id="{A883C400-BD9D-4609-A213-F91E9750031E}" type="slidenum">
+              <a:rPr lang="en-US" smtClean="0"/>
+              <a:t>2</a:t>
+            </a:fld>
+            <a:endParaRPr lang="en-US" dirty="0"/>
+          </a:p>
+        </p:txBody>
+      </p:sp>
+    </p:spTree>
+    <p:extLst>
+      <p:ext uri="{BB962C8B-B14F-4D97-AF65-F5344CB8AC3E}">
+        <p14:creationId xmlns:p14="http://schemas.microsoft.com/office/powerpoint/2010/main" val="1453018316"/>
+      </p:ext>
+    </p:extLst>
+  </p:cSld>
+  <p:clrMapOvr>
+    <a:masterClrMapping/>
+  </p:clrMapOvr>
+</p:notes>
+</file>
+
+<file path=ppt/notesSlides/notesSlide3.xml><?xml version="1.0" encoding="utf-8"?>
+<p:notes xmlns:a="http://schemas.openxmlformats.org/drawingml/2006/main" xmlns:r="http://schemas.openxmlformats.org/officeDocument/2006/relationships" xmlns:p="http://schemas.openxmlformats.org/presentationml/2006/main">
+  <p:cSld>
+    <p:spTree>
+      <p:nvGrpSpPr>
+        <p:cNvPr id="1" name=""/>
+        <p:cNvGrpSpPr/>
+        <p:nvPr/>
+      </p:nvGrpSpPr>
+      <p:grpSpPr>
+        <a:xfrm>
+          <a:off x="0" y="0"/>
+          <a:ext cx="0" cy="0"/>
+          <a:chOff x="0" y="0"/>
+          <a:chExt cx="0" cy="0"/>
+        </a:xfrm>
+      </p:grpSpPr>
+      <p:sp>
+        <p:nvSpPr>
+          <p:cNvPr id="2" name="Slide Image Placeholder 1"/>
+          <p:cNvSpPr>
+            <a:spLocks noGrp="1" noRot="1" noChangeAspect="1"/>
+          </p:cNvSpPr>
+          <p:nvPr>
+            <p:ph type="sldImg"/>
+          </p:nvPr>
+        </p:nvSpPr>
+        <p:spPr>
+          <a:xfrm>
+            <a:off x="312738" y="685800"/>
+            <a:ext cx="6232525" cy="3429000"/>
+          </a:xfrm>
+        </p:spPr>
+      </p:sp>
+      <p:sp>
+        <p:nvSpPr>
+          <p:cNvPr id="3" name="Notes Placeholder 2"/>
+          <p:cNvSpPr>
+            <a:spLocks noGrp="1"/>
+          </p:cNvSpPr>
+          <p:nvPr>
+            <p:ph type="body" idx="1"/>
+          </p:nvPr>
+        </p:nvSpPr>
+        <p:spPr/>
+        <p:txBody>
+          <a:bodyPr/>
+          <a:lstStyle/>
+          <a:p>
+            <a:endParaRPr lang="en-US" dirty="0"/>
+          </a:p>
+        </p:txBody>
+      </p:sp>
+      <p:sp>
+        <p:nvSpPr>
+          <p:cNvPr id="4" name="Slide Number Placeholder 3"/>
+          <p:cNvSpPr>
+            <a:spLocks noGrp="1"/>
+          </p:cNvSpPr>
+          <p:nvPr>
+            <p:ph type="sldNum" sz="quarter" idx="10"/>
+          </p:nvPr>
+        </p:nvSpPr>
+        <p:spPr/>
+        <p:txBody>
+          <a:bodyPr/>
+          <a:lstStyle/>
+          <a:p>
+            <a:fld id="{A883C400-BD9D-4609-A213-F91E9750031E}" type="slidenum">
+              <a:rPr lang="en-US" smtClean="0"/>
+              <a:t>3</a:t>
+            </a:fld>
+            <a:endParaRPr lang="en-US" dirty="0"/>
+          </a:p>
+        </p:txBody>
+      </p:sp>
+    </p:spTree>
+    <p:extLst>
+      <p:ext uri="{BB962C8B-B14F-4D97-AF65-F5344CB8AC3E}">
+        <p14:creationId xmlns:p14="http://schemas.microsoft.com/office/powerpoint/2010/main" val="1453018316"/>
+      </p:ext>
+    </p:extLst>
+  </p:cSld>
+  <p:clrMapOvr>
+    <a:masterClrMapping/>
+  </p:clrMapOvr>
+</p:notes>
+</file>
+
+<file path=ppt/notesSlides/notesSlide4.xml><?xml version="1.0" encoding="utf-8"?>
+<p:notes xmlns:a="http://schemas.openxmlformats.org/drawingml/2006/main" xmlns:r="http://schemas.openxmlformats.org/officeDocument/2006/relationships" xmlns:p="http://schemas.openxmlformats.org/presentationml/2006/main">
+  <p:cSld>
+    <p:spTree>
+      <p:nvGrpSpPr>
+        <p:cNvPr id="1" name=""/>
+        <p:cNvGrpSpPr/>
+        <p:nvPr/>
+      </p:nvGrpSpPr>
+      <p:grpSpPr>
+        <a:xfrm>
+          <a:off x="0" y="0"/>
+          <a:ext cx="0" cy="0"/>
+          <a:chOff x="0" y="0"/>
+          <a:chExt cx="0" cy="0"/>
+        </a:xfrm>
+      </p:grpSpPr>
+      <p:sp>
+        <p:nvSpPr>
+          <p:cNvPr id="2" name="Slide Image Placeholder 1"/>
+          <p:cNvSpPr>
+            <a:spLocks noGrp="1" noRot="1" noChangeAspect="1"/>
+          </p:cNvSpPr>
+          <p:nvPr>
+            <p:ph type="sldImg"/>
+          </p:nvPr>
+        </p:nvSpPr>
+        <p:spPr>
+          <a:xfrm>
+            <a:off x="312738" y="685800"/>
+            <a:ext cx="6232525" cy="3429000"/>
+          </a:xfrm>
+        </p:spPr>
+      </p:sp>
+      <p:sp>
+        <p:nvSpPr>
+          <p:cNvPr id="3" name="Notes Placeholder 2"/>
+          <p:cNvSpPr>
+            <a:spLocks noGrp="1"/>
+          </p:cNvSpPr>
+          <p:nvPr>
+            <p:ph type="body" idx="1"/>
+          </p:nvPr>
+        </p:nvSpPr>
+        <p:spPr/>
+        <p:txBody>
+          <a:bodyPr/>
+          <a:lstStyle/>
+          <a:p>
+            <a:endParaRPr lang="en-US" dirty="0"/>
+          </a:p>
+        </p:txBody>
+      </p:sp>
+      <p:sp>
+        <p:nvSpPr>
+          <p:cNvPr id="4" name="Slide Number Placeholder 3"/>
+          <p:cNvSpPr>
+            <a:spLocks noGrp="1"/>
+          </p:cNvSpPr>
+          <p:nvPr>
+            <p:ph type="sldNum" sz="quarter" idx="10"/>
+          </p:nvPr>
+        </p:nvSpPr>
+        <p:spPr/>
+        <p:txBody>
+          <a:bodyPr/>
+          <a:lstStyle/>
+          <a:p>
+            <a:fld id="{A883C400-BD9D-4609-A213-F91E9750031E}" type="slidenum">
+              <a:rPr lang="en-US" smtClean="0"/>
+              <a:t>4</a:t>
+            </a:fld>
+            <a:endParaRPr lang="en-US" dirty="0"/>
+          </a:p>
+        </p:txBody>
+      </p:sp>
+    </p:spTree>
+    <p:extLst>
+      <p:ext uri="{BB962C8B-B14F-4D97-AF65-F5344CB8AC3E}">
+        <p14:creationId xmlns:p14="http://schemas.microsoft.com/office/powerpoint/2010/main" val="1453018316"/>
+      </p:ext>
+    </p:extLst>
+  </p:cSld>
+  <p:clrMapOvr>
+    <a:masterClrMapping/>
+  </p:clrMapOvr>
+</p:notes>
+</file>
+
 <file path=ppt/slideLayouts/slideLayout1.xml><?xml version="1.0" encoding="utf-8"?>
 <p:sldLayout xmlns:a="http://schemas.openxmlformats.org/drawingml/2006/main" xmlns:r="http://schemas.openxmlformats.org/officeDocument/2006/relationships" xmlns:p="http://schemas.openxmlformats.org/presentationml/2006/main" type="title" preserve="1">
   <p:cSld name="Title Slide">
@@ -761,7 +1031,7 @@
             <a:fld id="{1D8BD707-D9CF-40AE-B4C6-C98DA3205C09}" type="datetimeFigureOut">
               <a:rPr lang="en-US" smtClean="0"/>
               <a:pPr/>
-              <a:t>6/16/2020</a:t>
+              <a:t>6/17/2020</a:t>
             </a:fld>
             <a:endParaRPr lang="en-US" dirty="0"/>
           </a:p>
@@ -933,7 +1203,7 @@
             <a:fld id="{1D8BD707-D9CF-40AE-B4C6-C98DA3205C09}" type="datetimeFigureOut">
               <a:rPr lang="en-US" smtClean="0"/>
               <a:pPr/>
-              <a:t>6/16/2020</a:t>
+              <a:t>6/17/2020</a:t>
             </a:fld>
             <a:endParaRPr lang="en-US" dirty="0"/>
           </a:p>
@@ -1115,7 +1385,7 @@
             <a:fld id="{1D8BD707-D9CF-40AE-B4C6-C98DA3205C09}" type="datetimeFigureOut">
               <a:rPr lang="en-US" smtClean="0"/>
               <a:pPr/>
-              <a:t>6/16/2020</a:t>
+              <a:t>6/17/2020</a:t>
             </a:fld>
             <a:endParaRPr lang="en-US" dirty="0"/>
           </a:p>
@@ -1287,7 +1557,7 @@
             <a:fld id="{1D8BD707-D9CF-40AE-B4C6-C98DA3205C09}" type="datetimeFigureOut">
               <a:rPr lang="en-US" smtClean="0"/>
               <a:pPr/>
-              <a:t>6/16/2020</a:t>
+              <a:t>6/17/2020</a:t>
             </a:fld>
             <a:endParaRPr lang="en-US" dirty="0"/>
           </a:p>
@@ -1535,7 +1805,7 @@
             <a:fld id="{1D8BD707-D9CF-40AE-B4C6-C98DA3205C09}" type="datetimeFigureOut">
               <a:rPr lang="en-US" smtClean="0"/>
               <a:pPr/>
-              <a:t>6/16/2020</a:t>
+              <a:t>6/17/2020</a:t>
             </a:fld>
             <a:endParaRPr lang="en-US" dirty="0"/>
           </a:p>
@@ -1825,7 +2095,7 @@
             <a:fld id="{1D8BD707-D9CF-40AE-B4C6-C98DA3205C09}" type="datetimeFigureOut">
               <a:rPr lang="en-US" smtClean="0"/>
               <a:pPr/>
-              <a:t>6/16/2020</a:t>
+              <a:t>6/17/2020</a:t>
             </a:fld>
             <a:endParaRPr lang="en-US" dirty="0"/>
           </a:p>
@@ -2254,7 +2524,7 @@
             <a:fld id="{1D8BD707-D9CF-40AE-B4C6-C98DA3205C09}" type="datetimeFigureOut">
               <a:rPr lang="en-US" smtClean="0"/>
               <a:pPr/>
-              <a:t>6/16/2020</a:t>
+              <a:t>6/17/2020</a:t>
             </a:fld>
             <a:endParaRPr lang="en-US" dirty="0"/>
           </a:p>
@@ -2374,7 +2644,7 @@
             <a:fld id="{1D8BD707-D9CF-40AE-B4C6-C98DA3205C09}" type="datetimeFigureOut">
               <a:rPr lang="en-US" smtClean="0"/>
               <a:pPr/>
-              <a:t>6/16/2020</a:t>
+              <a:t>6/17/2020</a:t>
             </a:fld>
             <a:endParaRPr lang="en-US" dirty="0"/>
           </a:p>
@@ -2471,7 +2741,7 @@
             <a:fld id="{1D8BD707-D9CF-40AE-B4C6-C98DA3205C09}" type="datetimeFigureOut">
               <a:rPr lang="en-US" smtClean="0"/>
               <a:pPr/>
-              <a:t>6/16/2020</a:t>
+              <a:t>6/17/2020</a:t>
             </a:fld>
             <a:endParaRPr lang="en-US" dirty="0"/>
           </a:p>
@@ -2750,7 +3020,7 @@
             <a:fld id="{1D8BD707-D9CF-40AE-B4C6-C98DA3205C09}" type="datetimeFigureOut">
               <a:rPr lang="en-US" smtClean="0"/>
               <a:pPr/>
-              <a:t>6/16/2020</a:t>
+              <a:t>6/17/2020</a:t>
             </a:fld>
             <a:endParaRPr lang="en-US" dirty="0"/>
           </a:p>
@@ -3005,7 +3275,7 @@
             <a:fld id="{1D8BD707-D9CF-40AE-B4C6-C98DA3205C09}" type="datetimeFigureOut">
               <a:rPr lang="en-US" smtClean="0"/>
               <a:pPr/>
-              <a:t>6/16/2020</a:t>
+              <a:t>6/17/2020</a:t>
             </a:fld>
             <a:endParaRPr lang="en-US" dirty="0"/>
           </a:p>
@@ -3220,7 +3490,7 @@
             <a:fld id="{1D8BD707-D9CF-40AE-B4C6-C98DA3205C09}" type="datetimeFigureOut">
               <a:rPr lang="en-US" smtClean="0"/>
               <a:pPr/>
-              <a:t>6/16/2020</a:t>
+              <a:t>6/17/2020</a:t>
             </a:fld>
             <a:endParaRPr lang="en-US" dirty="0"/>
           </a:p>
@@ -3808,7 +4078,6 @@
               <a:rPr lang="en-US" sz="1200" dirty="0"/>
               <a:t>Web Services Overview</a:t>
             </a:r>
-            <a:endParaRPr lang="en-US" sz="1200" dirty="0"/>
           </a:p>
         </p:txBody>
       </p:sp>
@@ -3967,42 +4236,1837 @@
               <a:buFont typeface="Wingdings" panose="05000000000000000000" pitchFamily="2" charset="2"/>
               <a:buChar char="ü"/>
             </a:pPr>
+            <a:r>
+              <a:rPr lang="en-US" sz="1200" dirty="0"/>
+              <a:t>The term "web service" is often used to describe a service that a client (a computer) can call remotely over the internet, via web protocols like HTTP. Like calling a method, procedure or function which is running on a different machine than the client. </a:t>
+            </a:r>
+            <a:endParaRPr lang="en-US" sz="1200" dirty="0" smtClean="0"/>
+          </a:p>
+          <a:p>
+            <a:pPr marL="171450" indent="-171450">
+              <a:buFont typeface="Wingdings" panose="05000000000000000000" pitchFamily="2" charset="2"/>
+              <a:buChar char="ü"/>
+            </a:pPr>
             <a:endParaRPr lang="en-US" sz="1200" dirty="0"/>
           </a:p>
-        </p:txBody>
-      </p:sp>
-      <p:sp>
-        <p:nvSpPr>
-          <p:cNvPr id="7" name="Rectangle 6"/>
-          <p:cNvSpPr/>
+          <a:p>
+            <a:pPr marL="171450" indent="-171450">
+              <a:buFont typeface="Wingdings" panose="05000000000000000000" pitchFamily="2" charset="2"/>
+              <a:buChar char="ü"/>
+            </a:pPr>
+            <a:r>
+              <a:rPr lang="en-US" sz="1200" dirty="0" smtClean="0"/>
+              <a:t>As </a:t>
+            </a:r>
+            <a:r>
+              <a:rPr lang="en-US" sz="1200" dirty="0"/>
+              <a:t>such web services are very similar to "remote procedure call" (or just "</a:t>
+            </a:r>
+            <a:r>
+              <a:rPr lang="en-US" sz="1200" dirty="0" err="1"/>
+              <a:t>remoting</a:t>
+            </a:r>
+            <a:r>
+              <a:rPr lang="en-US" sz="1200" dirty="0"/>
+              <a:t>") protocols, like Java's RMI, Windows DCOM, </a:t>
+            </a:r>
+            <a:r>
+              <a:rPr lang="en-US" sz="1200" dirty="0" err="1"/>
+              <a:t>Corba's</a:t>
+            </a:r>
+            <a:r>
+              <a:rPr lang="en-US" sz="1200" dirty="0"/>
+              <a:t> IIOP etc.</a:t>
+            </a:r>
+            <a:endParaRPr lang="en-US" sz="1200" dirty="0"/>
+          </a:p>
+        </p:txBody>
+      </p:sp>
+      <p:pic>
+        <p:nvPicPr>
+          <p:cNvPr id="1026" name="Picture 2"/>
+          <p:cNvPicPr>
+            <a:picLocks noChangeAspect="1" noChangeArrowheads="1"/>
+          </p:cNvPicPr>
           <p:nvPr/>
-        </p:nvSpPr>
-        <p:spPr>
-          <a:xfrm>
-            <a:off x="2150726" y="1734464"/>
-            <a:ext cx="4572000" cy="646331"/>
+        </p:nvPicPr>
+        <p:blipFill>
+          <a:blip r:embed="rId3">
+            <a:extLst>
+              <a:ext uri="{28A0092B-C50C-407E-A947-70E740481C1C}">
+                <a14:useLocalDpi xmlns:a14="http://schemas.microsoft.com/office/drawing/2010/main" val="0"/>
+              </a:ext>
+            </a:extLst>
+          </a:blip>
+          <a:srcRect/>
+          <a:stretch>
+            <a:fillRect/>
+          </a:stretch>
+        </p:blipFill>
+        <p:spPr bwMode="auto">
+          <a:xfrm>
+            <a:off x="2454897" y="2590800"/>
+            <a:ext cx="4267200" cy="1543050"/>
           </a:xfrm>
           <a:prstGeom prst="rect">
             <a:avLst/>
           </a:prstGeom>
-        </p:spPr>
-        <p:txBody>
-          <a:bodyPr>
-            <a:spAutoFit/>
-          </a:bodyPr>
-          <a:lstStyle/>
-          <a:p>
-            <a:r>
-              <a:rPr lang="en-US" dirty="0"/>
-              <a:t>http://tutorials.jenkov.com/web-services/overview.html</a:t>
-            </a:r>
-          </a:p>
-        </p:txBody>
-      </p:sp>
+          <a:noFill/>
+          <a:ln>
+            <a:noFill/>
+          </a:ln>
+          <a:effectLst/>
+          <a:extLst>
+            <a:ext uri="{909E8E84-426E-40DD-AFC4-6F175D3DCCD1}">
+              <a14:hiddenFill xmlns:a14="http://schemas.microsoft.com/office/drawing/2010/main">
+                <a:solidFill>
+                  <a:schemeClr val="accent1"/>
+                </a:solidFill>
+              </a14:hiddenFill>
+            </a:ext>
+            <a:ext uri="{91240B29-F687-4F45-9708-019B960494DF}">
+              <a14:hiddenLine xmlns:a14="http://schemas.microsoft.com/office/drawing/2010/main" w="9525">
+                <a:solidFill>
+                  <a:schemeClr val="tx1"/>
+                </a:solidFill>
+                <a:miter lim="800000"/>
+                <a:headEnd/>
+                <a:tailEnd/>
+              </a14:hiddenLine>
+            </a:ext>
+            <a:ext uri="{AF507438-7753-43E0-B8FC-AC1667EBCBE1}">
+              <a14:hiddenEffects xmlns:a14="http://schemas.microsoft.com/office/drawing/2010/main">
+                <a:effectLst>
+                  <a:outerShdw dist="35921" dir="2700000" algn="ctr" rotWithShape="0">
+                    <a:schemeClr val="bg2"/>
+                  </a:outerShdw>
+                </a:effectLst>
+              </a14:hiddenEffects>
+            </a:ext>
+          </a:extLst>
+        </p:spPr>
+      </p:pic>
     </p:spTree>
     <p:extLst>
       <p:ext uri="{BB962C8B-B14F-4D97-AF65-F5344CB8AC3E}">
-        <p14:creationId xmlns:p14="http://schemas.microsoft.com/office/powerpoint/2010/main" val="1212824571"/>
+        <p14:creationId xmlns:p14="http://schemas.microsoft.com/office/powerpoint/2010/main" val="3829553322"/>
+      </p:ext>
+    </p:extLst>
+  </p:cSld>
+  <p:clrMapOvr>
+    <a:masterClrMapping/>
+  </p:clrMapOvr>
+  <mc:AlternateContent xmlns:mc="http://schemas.openxmlformats.org/markup-compatibility/2006" xmlns:p14="http://schemas.microsoft.com/office/powerpoint/2010/main">
+    <mc:Choice Requires="p14">
+      <p:transition spd="slow" p14:dur="2000"/>
+    </mc:Choice>
+    <mc:Fallback xmlns="">
+      <p:transition spd="slow"/>
+    </mc:Fallback>
+  </mc:AlternateContent>
+  <p:timing>
+    <p:tnLst>
+      <p:par>
+        <p:cTn id="1" dur="indefinite" restart="never" nodeType="tmRoot"/>
+      </p:par>
+    </p:tnLst>
+  </p:timing>
+</p:sld>
+</file>
+
+<file path=ppt/slides/slide2.xml><?xml version="1.0" encoding="utf-8"?>
+<p:sld xmlns:a="http://schemas.openxmlformats.org/drawingml/2006/main" xmlns:r="http://schemas.openxmlformats.org/officeDocument/2006/relationships" xmlns:p="http://schemas.openxmlformats.org/presentationml/2006/main">
+  <p:cSld>
+    <p:spTree>
+      <p:nvGrpSpPr>
+        <p:cNvPr id="1" name=""/>
+        <p:cNvGrpSpPr/>
+        <p:nvPr/>
+      </p:nvGrpSpPr>
+      <p:grpSpPr>
+        <a:xfrm>
+          <a:off x="0" y="0"/>
+          <a:ext cx="0" cy="0"/>
+          <a:chOff x="0" y="0"/>
+          <a:chExt cx="0" cy="0"/>
+        </a:xfrm>
+      </p:grpSpPr>
+      <p:sp>
+        <p:nvSpPr>
+          <p:cNvPr id="3" name="AutoShape 2" descr="data:image/png;base64,iVBORw0KGgoAAAANSUhEUgAAANEAAADxCAMAAABiSKLrAAAAbFBMVEWIiIj////6+vr29vb19fX4+Pj5+fnu7u77+/v39/f9/f3z8/P+/v709PT8/Pyqqqrt7e3v7+/w8PDx8fHy8vK+vr7Q0NCjo6OBgYHY2Njk5OTHx8eNjY3c3NzGxsbn5+eWlpa1tbWcnJx6enob4+f+AAAIqklEQVR4nO3dCZuaOhQGYEZAh0FkX2W1//8/lkVMICeIkRmOPHz22lYg5OVEZLFzJRNrnC+xSGt3nJvQekMUYktnEiM1ouDrjCs/pukLkzoRtpjmNRcloRUFoiS8oo5UvLwsYpEgCaXoHLYiMRJqkRAJt0iEhFwkQMIqCgJRElpRLErCL3r1oxavSJSEWCRIQikyOtGQNPd8CaXICc04FiXhFomQkIsESChFbmhmwiT0opf3eBivMzSjLuORnh49oKxRKxIloayR24oESShFRScSI6EUJaGZCJNwiwhp/skFcpFAlbCLXiehF71MQisSJiEVVYkwqRP9oEpXI1HSXXRuWjo/2jz3f3v8YfjS7871lbU1EiT1IjrAKrvX/2iurzisijkk8OQC5ah7iERIyEUCJOyi10noRU9J490DUpFPRAApniJhFVnzSaOdOF6RKAmlKGhFgiTMohdIyYeIhEh30aV99E9NLo8VXLqn++Q/mIuIREid6DJsv32s91Ityi1hEtJRl5+ESX2NMKUR2ZYoCbNIjIRV5FiiJIyicx7mriVEKnCKfvxadBIloRQ1NTqJkcICpcgPr7rjOPYJZnFNbZVwikw/YHNlXmDi4xW9kU70jSnNqOu/xL4R0aWg3yNMgNHWp0I66i7Dy5PsdXFuApw1Eg8RndfuykLZa4Q/512EPrsIfzYtOmwje43wh4h+1u7KQvm5bk601wh9NlijXYQ+uwh/HqLrZkTXh+h4PDQP8lQ/PvAlSrT2xl0oRHQ5biOXXYQ+uwh/dhH+7CL82bRI3Ua2XKPvtTfuQvneReizi/BnF+HPLsKfTYu0bYQWsd5PfImIDmtv3IVy2EXos4vwZxfhzy7CH0okbyO7CH+2/D46rr1xF8pxF6HPLsKfXYQ/uwh/KJGyjWxatPZwWShEpK69cReKuovQZxfhzy7Cn12EP0SkGduItmHRzFF3P3r63ZHzTl4YdYqsHg/e/YdF2e7xcFRVrba109gMFp2evGhmjzpFVZLcvJVpl7K8hWaVB1liNVNdJh7VZ4Wd7P4aaa5I866lFEnDRHWksC5eVgtH8VWy8PHGTE5V/rr+QqSocTnm9CpTM+SMmRhVVJcPKbPYv5VFcs7x1F3P1eeikl1sXZHGB0lRLH+eSI75ICk6KZ8nctkOkaQN+cNEWjBRIimU0YpkHY4hmxOgqNIMHRaRJo6giLO+dyM/F1nsvpfqWVAv92Eihe0u3bNE+TgR/FkURfWhUHPMIBsguh6N0yKNs7o/EGkVIEpj+XA8fltJ0GzqDxMdQwBka+2gqQ/p9FYkpaNIiEXuje3OddQfg738rFCTcYmME9sdKXntbY1MBOy802JrotJ6bSUiInLia7y2+aZEbXuyxXbn5vXXGQazDs+6xUWGoql2kXU/DDrOssLWNFmZ65oQufeflwvU6PHDdO8ki/0xu/Rb7RVRvZNJgupW7y3bU+T6JLnej97MPLNUhbPIbJEV9U2y/eknHds5lfhfNMo/sb23oRX5LQXWGUmpGdtz3nxEpOiep7eP+5MFUEZJj+0SCnsCVX/CkrZUQFRvQG+8RkNOzHTi5LL0rW6x8YL0bwolGtdolqir0fQxAyQCNrdsVczFmdFS6fXp+4kSecPMEqntrAYkkklTYI288frkYKI+j+XCYtzRUdCIdMV/7mkWTDNmY6AU6bo5C9QknqwSEpFuzAdJUjZFQiJSoFMWfhIDu0ievDjD5ubquEV6AjVet3krU3B/Hvn8cYdDBJxUSlKVaJqmWvENMiXcImEQKcCYi26W1nZaN9SAXXFkcos0JZpxXLeICDpLDnVSBDkDusAtEhGN72p5J78LcMbn9+nudemgiDSlASLF66cC20NKbZ3qCnAnIfKp9gcxiIjVPj8/8mbVCBY9VsNes42C4YgBrgyUJ06NpkRdCuD8yB418pYIOkl2hyuQ2SOkKOMMO4M76vrBB4sG84Cjjrr5Cooeo4TdLwyGbLsC4IKgD93dHY66lUQye7gQxfqgfdcDhr7JeSOtLoL2dOn4KEdX2E+s0hp24j3RaUERsPnLLBmlYPceaYJVBB0Bja85p8ANn3rXgFX02kEqaSGAeywoGs7zjghYdqYoxyp68USCtMDZfX+wqHomav53fkBcWDSYx4NEBpkuAyLj3oSwSDIVsMM6ETVAp/3V/KG2tP/xRPRccI1IW7Comyr8PupE9052bbW/0yLHpX/1T1wRmQuskULa4oqcd/Z1pjLu6li0zqgDP49m5fmo+2NR3z50zFBYczLsBB6Rxx6y8Q5wRoE7LCaylhM5BnTs7cGdmZP1RZzdygeLXOjW9fg94jYXUnjjbBHRcJ5nImVKBA67fFgkL/HzIE4KRW7vM0/i/kQ0WSPHg75KldHdqc+h7pfZ0jKs/GuDM3hvNSLizSEqoroE1Yia7ELf00kIWS/o09z+EmLA6bC3hMh9TwRskDq51x47e4Zzhc73Qt64wyByPOjmUVT6cZZkcQV+0zxNflX05qgD36tSe3MilcCr1FLEe9sPRDYYjmgwD1wjMl1hm4h0ugF43PETVd6wB3RbKES2Pu+2cr9waHFBWESO+8JtyxrkckFYRDa8dxAAoRHNH3hRNTHkUIlsY9Z3TqR6LzcFokScSsKi4TzPRMYske0VT78XJJkJZ8uTzojV6FdEtmNkE9/diqLUzJTpAtmzalQyF6FvI5ETA9+OpraQwTYhwRvQMYqryX6sNn8vq8AynnqoGuXuCY7N/vMR3R7N47DzePR04J+gjJt4rM7V3SzwzbC8FzYtb2Z1jQtDd3nLDOLmD1E9v90++qfT4Lfh5N+cq/508shXb5st6Ll1cWa2RYu2EUo0p6QfkF2EP7sIf3YR/hCRs3ZXFoqzYdEGR92su1D4Q486yzq1D/L0iS85W67R2l1ZKLsIfzYs4l05+bg8rpxU/lZS3UXbyvZE/wFXu+LXNTDaDQAAAABJRU5ErkJggg=="/>
+          <p:cNvSpPr>
+            <a:spLocks noChangeAspect="1" noChangeArrowheads="1"/>
+          </p:cNvSpPr>
+          <p:nvPr/>
+        </p:nvSpPr>
+        <p:spPr bwMode="auto">
+          <a:xfrm>
+            <a:off x="155575" y="-144463"/>
+            <a:ext cx="304800" cy="304801"/>
+          </a:xfrm>
+          <a:prstGeom prst="rect">
+            <a:avLst/>
+          </a:prstGeom>
+          <a:noFill/>
+          <a:extLst>
+            <a:ext uri="{909E8E84-426E-40DD-AFC4-6F175D3DCCD1}">
+              <a14:hiddenFill xmlns:a14="http://schemas.microsoft.com/office/drawing/2010/main">
+                <a:solidFill>
+                  <a:srgbClr val="FFFFFF"/>
+                </a:solidFill>
+              </a14:hiddenFill>
+            </a:ext>
+          </a:extLst>
+        </p:spPr>
+        <p:txBody>
+          <a:bodyPr vert="horz" wrap="square" lIns="91440" tIns="45720" rIns="91440" bIns="45720" numCol="1" anchor="t" anchorCtr="0" compatLnSpc="1">
+            <a:prstTxWarp prst="textNoShape">
+              <a:avLst/>
+            </a:prstTxWarp>
+          </a:bodyPr>
+          <a:lstStyle/>
+          <a:p>
+            <a:endParaRPr lang="en-US" sz="1200" dirty="0"/>
+          </a:p>
+        </p:txBody>
+      </p:sp>
+      <p:sp>
+        <p:nvSpPr>
+          <p:cNvPr id="2" name="AutoShape 2" descr="Image result for file"/>
+          <p:cNvSpPr>
+            <a:spLocks noChangeAspect="1" noChangeArrowheads="1"/>
+          </p:cNvSpPr>
+          <p:nvPr/>
+        </p:nvSpPr>
+        <p:spPr bwMode="auto">
+          <a:xfrm>
+            <a:off x="307975" y="7937"/>
+            <a:ext cx="304800" cy="304801"/>
+          </a:xfrm>
+          <a:prstGeom prst="rect">
+            <a:avLst/>
+          </a:prstGeom>
+          <a:noFill/>
+          <a:extLst>
+            <a:ext uri="{909E8E84-426E-40DD-AFC4-6F175D3DCCD1}">
+              <a14:hiddenFill xmlns:a14="http://schemas.microsoft.com/office/drawing/2010/main">
+                <a:solidFill>
+                  <a:srgbClr val="FFFFFF"/>
+                </a:solidFill>
+              </a14:hiddenFill>
+            </a:ext>
+          </a:extLst>
+        </p:spPr>
+        <p:txBody>
+          <a:bodyPr vert="horz" wrap="square" lIns="91440" tIns="45720" rIns="91440" bIns="45720" numCol="1" anchor="t" anchorCtr="0" compatLnSpc="1">
+            <a:prstTxWarp prst="textNoShape">
+              <a:avLst/>
+            </a:prstTxWarp>
+          </a:bodyPr>
+          <a:lstStyle/>
+          <a:p>
+            <a:endParaRPr lang="en-US" dirty="0"/>
+          </a:p>
+        </p:txBody>
+      </p:sp>
+      <p:sp>
+        <p:nvSpPr>
+          <p:cNvPr id="9" name="Rectangle 8"/>
+          <p:cNvSpPr/>
+          <p:nvPr/>
+        </p:nvSpPr>
+        <p:spPr>
+          <a:xfrm>
+            <a:off x="3539452" y="23853"/>
+            <a:ext cx="1794548" cy="276999"/>
+          </a:xfrm>
+          <a:prstGeom prst="rect">
+            <a:avLst/>
+          </a:prstGeom>
+        </p:spPr>
+        <p:style>
+          <a:lnRef idx="1">
+            <a:schemeClr val="accent4"/>
+          </a:lnRef>
+          <a:fillRef idx="3">
+            <a:schemeClr val="accent4"/>
+          </a:fillRef>
+          <a:effectRef idx="2">
+            <a:schemeClr val="accent4"/>
+          </a:effectRef>
+          <a:fontRef idx="minor">
+            <a:schemeClr val="lt1"/>
+          </a:fontRef>
+        </p:style>
+        <p:txBody>
+          <a:bodyPr wrap="square">
+            <a:spAutoFit/>
+          </a:bodyPr>
+          <a:lstStyle>
+            <a:defPPr>
+              <a:defRPr lang="en-US"/>
+            </a:defPPr>
+            <a:lvl1pPr marL="0" algn="l" defTabSz="914400" rtl="0" eaLnBrk="1" latinLnBrk="0" hangingPunct="1">
+              <a:defRPr sz="1800" kern="1200">
+                <a:solidFill>
+                  <a:schemeClr val="lt1"/>
+                </a:solidFill>
+                <a:latin typeface="+mn-lt"/>
+                <a:ea typeface="+mn-ea"/>
+                <a:cs typeface="+mn-cs"/>
+              </a:defRPr>
+            </a:lvl1pPr>
+            <a:lvl2pPr marL="457200" algn="l" defTabSz="914400" rtl="0" eaLnBrk="1" latinLnBrk="0" hangingPunct="1">
+              <a:defRPr sz="1800" kern="1200">
+                <a:solidFill>
+                  <a:schemeClr val="lt1"/>
+                </a:solidFill>
+                <a:latin typeface="+mn-lt"/>
+                <a:ea typeface="+mn-ea"/>
+                <a:cs typeface="+mn-cs"/>
+              </a:defRPr>
+            </a:lvl2pPr>
+            <a:lvl3pPr marL="914400" algn="l" defTabSz="914400" rtl="0" eaLnBrk="1" latinLnBrk="0" hangingPunct="1">
+              <a:defRPr sz="1800" kern="1200">
+                <a:solidFill>
+                  <a:schemeClr val="lt1"/>
+                </a:solidFill>
+                <a:latin typeface="+mn-lt"/>
+                <a:ea typeface="+mn-ea"/>
+                <a:cs typeface="+mn-cs"/>
+              </a:defRPr>
+            </a:lvl3pPr>
+            <a:lvl4pPr marL="1371600" algn="l" defTabSz="914400" rtl="0" eaLnBrk="1" latinLnBrk="0" hangingPunct="1">
+              <a:defRPr sz="1800" kern="1200">
+                <a:solidFill>
+                  <a:schemeClr val="lt1"/>
+                </a:solidFill>
+                <a:latin typeface="+mn-lt"/>
+                <a:ea typeface="+mn-ea"/>
+                <a:cs typeface="+mn-cs"/>
+              </a:defRPr>
+            </a:lvl4pPr>
+            <a:lvl5pPr marL="1828800" algn="l" defTabSz="914400" rtl="0" eaLnBrk="1" latinLnBrk="0" hangingPunct="1">
+              <a:defRPr sz="1800" kern="1200">
+                <a:solidFill>
+                  <a:schemeClr val="lt1"/>
+                </a:solidFill>
+                <a:latin typeface="+mn-lt"/>
+                <a:ea typeface="+mn-ea"/>
+                <a:cs typeface="+mn-cs"/>
+              </a:defRPr>
+            </a:lvl5pPr>
+            <a:lvl6pPr marL="2286000" algn="l" defTabSz="914400" rtl="0" eaLnBrk="1" latinLnBrk="0" hangingPunct="1">
+              <a:defRPr sz="1800" kern="1200">
+                <a:solidFill>
+                  <a:schemeClr val="lt1"/>
+                </a:solidFill>
+                <a:latin typeface="+mn-lt"/>
+                <a:ea typeface="+mn-ea"/>
+                <a:cs typeface="+mn-cs"/>
+              </a:defRPr>
+            </a:lvl6pPr>
+            <a:lvl7pPr marL="2743200" algn="l" defTabSz="914400" rtl="0" eaLnBrk="1" latinLnBrk="0" hangingPunct="1">
+              <a:defRPr sz="1800" kern="1200">
+                <a:solidFill>
+                  <a:schemeClr val="lt1"/>
+                </a:solidFill>
+                <a:latin typeface="+mn-lt"/>
+                <a:ea typeface="+mn-ea"/>
+                <a:cs typeface="+mn-cs"/>
+              </a:defRPr>
+            </a:lvl7pPr>
+            <a:lvl8pPr marL="3200400" algn="l" defTabSz="914400" rtl="0" eaLnBrk="1" latinLnBrk="0" hangingPunct="1">
+              <a:defRPr sz="1800" kern="1200">
+                <a:solidFill>
+                  <a:schemeClr val="lt1"/>
+                </a:solidFill>
+                <a:latin typeface="+mn-lt"/>
+                <a:ea typeface="+mn-ea"/>
+                <a:cs typeface="+mn-cs"/>
+              </a:defRPr>
+            </a:lvl8pPr>
+            <a:lvl9pPr marL="3657600" algn="l" defTabSz="914400" rtl="0" eaLnBrk="1" latinLnBrk="0" hangingPunct="1">
+              <a:defRPr sz="1800" kern="1200">
+                <a:solidFill>
+                  <a:schemeClr val="lt1"/>
+                </a:solidFill>
+                <a:latin typeface="+mn-lt"/>
+                <a:ea typeface="+mn-ea"/>
+                <a:cs typeface="+mn-cs"/>
+              </a:defRPr>
+            </a:lvl9pPr>
+          </a:lstStyle>
+          <a:p>
+            <a:pPr algn="ctr"/>
+            <a:r>
+              <a:rPr lang="en-US" sz="1200" dirty="0"/>
+              <a:t>Web Services Overview</a:t>
+            </a:r>
+          </a:p>
+        </p:txBody>
+      </p:sp>
+      <p:sp>
+        <p:nvSpPr>
+          <p:cNvPr id="6" name="AutoShape 4" descr="Image result for xml symbol"/>
+          <p:cNvSpPr>
+            <a:spLocks noChangeAspect="1" noChangeArrowheads="1"/>
+          </p:cNvSpPr>
+          <p:nvPr/>
+        </p:nvSpPr>
+        <p:spPr bwMode="auto">
+          <a:xfrm>
+            <a:off x="-755650" y="465137"/>
+            <a:ext cx="304800" cy="304801"/>
+          </a:xfrm>
+          <a:prstGeom prst="rect">
+            <a:avLst/>
+          </a:prstGeom>
+          <a:noFill/>
+          <a:extLst>
+            <a:ext uri="{909E8E84-426E-40DD-AFC4-6F175D3DCCD1}">
+              <a14:hiddenFill xmlns:a14="http://schemas.microsoft.com/office/drawing/2010/main">
+                <a:solidFill>
+                  <a:srgbClr val="FFFFFF"/>
+                </a:solidFill>
+              </a14:hiddenFill>
+            </a:ext>
+          </a:extLst>
+        </p:spPr>
+        <p:txBody>
+          <a:bodyPr vert="horz" wrap="square" lIns="91440" tIns="45720" rIns="91440" bIns="45720" numCol="1" anchor="t" anchorCtr="0" compatLnSpc="1">
+            <a:prstTxWarp prst="textNoShape">
+              <a:avLst/>
+            </a:prstTxWarp>
+          </a:bodyPr>
+          <a:lstStyle/>
+          <a:p>
+            <a:endParaRPr lang="en-US"/>
+          </a:p>
+        </p:txBody>
+      </p:sp>
+      <p:sp>
+        <p:nvSpPr>
+          <p:cNvPr id="14" name="AutoShape 5" descr="List - Free interface icons"/>
+          <p:cNvSpPr>
+            <a:spLocks noChangeAspect="1" noChangeArrowheads="1"/>
+          </p:cNvSpPr>
+          <p:nvPr/>
+        </p:nvSpPr>
+        <p:spPr bwMode="auto">
+          <a:xfrm>
+            <a:off x="460375" y="160337"/>
+            <a:ext cx="304800" cy="304801"/>
+          </a:xfrm>
+          <a:prstGeom prst="rect">
+            <a:avLst/>
+          </a:prstGeom>
+          <a:noFill/>
+          <a:extLst>
+            <a:ext uri="{909E8E84-426E-40DD-AFC4-6F175D3DCCD1}">
+              <a14:hiddenFill xmlns:a14="http://schemas.microsoft.com/office/drawing/2010/main">
+                <a:solidFill>
+                  <a:srgbClr val="FFFFFF"/>
+                </a:solidFill>
+              </a14:hiddenFill>
+            </a:ext>
+          </a:extLst>
+        </p:spPr>
+        <p:txBody>
+          <a:bodyPr vert="horz" wrap="square" lIns="91440" tIns="45720" rIns="91440" bIns="45720" numCol="1" anchor="t" anchorCtr="0" compatLnSpc="1">
+            <a:prstTxWarp prst="textNoShape">
+              <a:avLst/>
+            </a:prstTxWarp>
+          </a:bodyPr>
+          <a:lstStyle/>
+          <a:p>
+            <a:endParaRPr lang="en-US"/>
+          </a:p>
+        </p:txBody>
+      </p:sp>
+      <p:sp>
+        <p:nvSpPr>
+          <p:cNvPr id="10" name="AutoShape 2" descr="Why isn't code reused in Microsoft Dynamic CRM projects? – Hosk's ..."/>
+          <p:cNvSpPr>
+            <a:spLocks noChangeAspect="1" noChangeArrowheads="1"/>
+          </p:cNvSpPr>
+          <p:nvPr/>
+        </p:nvSpPr>
+        <p:spPr bwMode="auto">
+          <a:xfrm>
+            <a:off x="612775" y="312737"/>
+            <a:ext cx="304800" cy="304801"/>
+          </a:xfrm>
+          <a:prstGeom prst="rect">
+            <a:avLst/>
+          </a:prstGeom>
+          <a:noFill/>
+          <a:extLst>
+            <a:ext uri="{909E8E84-426E-40DD-AFC4-6F175D3DCCD1}">
+              <a14:hiddenFill xmlns:a14="http://schemas.microsoft.com/office/drawing/2010/main">
+                <a:solidFill>
+                  <a:srgbClr val="FFFFFF"/>
+                </a:solidFill>
+              </a14:hiddenFill>
+            </a:ext>
+          </a:extLst>
+        </p:spPr>
+        <p:txBody>
+          <a:bodyPr vert="horz" wrap="square" lIns="91440" tIns="45720" rIns="91440" bIns="45720" numCol="1" anchor="t" anchorCtr="0" compatLnSpc="1">
+            <a:prstTxWarp prst="textNoShape">
+              <a:avLst/>
+            </a:prstTxWarp>
+          </a:bodyPr>
+          <a:lstStyle/>
+          <a:p>
+            <a:endParaRPr lang="en-US"/>
+          </a:p>
+        </p:txBody>
+      </p:sp>
+      <p:sp>
+        <p:nvSpPr>
+          <p:cNvPr id="15" name="Rounded Rectangle 14"/>
+          <p:cNvSpPr/>
+          <p:nvPr/>
+        </p:nvSpPr>
+        <p:spPr>
+          <a:xfrm>
+            <a:off x="155575" y="396102"/>
+            <a:ext cx="8836025" cy="746898"/>
+          </a:xfrm>
+          <a:prstGeom prst="roundRect">
+            <a:avLst/>
+          </a:prstGeom>
+          <a:ln w="3175"/>
+        </p:spPr>
+        <p:style>
+          <a:lnRef idx="2">
+            <a:schemeClr val="accent4"/>
+          </a:lnRef>
+          <a:fillRef idx="1">
+            <a:schemeClr val="lt1"/>
+          </a:fillRef>
+          <a:effectRef idx="0">
+            <a:schemeClr val="accent4"/>
+          </a:effectRef>
+          <a:fontRef idx="minor">
+            <a:schemeClr val="dk1"/>
+          </a:fontRef>
+        </p:style>
+        <p:txBody>
+          <a:bodyPr rtlCol="0" anchor="ctr"/>
+          <a:lstStyle/>
+          <a:p>
+            <a:pPr marL="171450" indent="-171450">
+              <a:buFont typeface="Wingdings" panose="05000000000000000000" pitchFamily="2" charset="2"/>
+              <a:buChar char="ü"/>
+            </a:pPr>
+            <a:r>
+              <a:rPr lang="en-US" sz="1200" dirty="0"/>
+              <a:t>Web services can also be used internally in an organizations network, as a way to allow many different applications to interact with each other. The standardized web service protocols then makes it easier to integrate the various applications</a:t>
+            </a:r>
+            <a:endParaRPr lang="en-US" sz="1200" dirty="0"/>
+          </a:p>
+        </p:txBody>
+      </p:sp>
+      <p:pic>
+        <p:nvPicPr>
+          <p:cNvPr id="2050" name="Picture 2"/>
+          <p:cNvPicPr>
+            <a:picLocks noChangeAspect="1" noChangeArrowheads="1"/>
+          </p:cNvPicPr>
+          <p:nvPr/>
+        </p:nvPicPr>
+        <p:blipFill>
+          <a:blip r:embed="rId3">
+            <a:extLst>
+              <a:ext uri="{28A0092B-C50C-407E-A947-70E740481C1C}">
+                <a14:useLocalDpi xmlns:a14="http://schemas.microsoft.com/office/drawing/2010/main" val="0"/>
+              </a:ext>
+            </a:extLst>
+          </a:blip>
+          <a:srcRect/>
+          <a:stretch>
+            <a:fillRect/>
+          </a:stretch>
+        </p:blipFill>
+        <p:spPr bwMode="auto">
+          <a:xfrm>
+            <a:off x="1627188" y="2057400"/>
+            <a:ext cx="5888037" cy="2343150"/>
+          </a:xfrm>
+          <a:prstGeom prst="rect">
+            <a:avLst/>
+          </a:prstGeom>
+          <a:noFill/>
+          <a:ln>
+            <a:noFill/>
+          </a:ln>
+          <a:effectLst/>
+          <a:extLst>
+            <a:ext uri="{909E8E84-426E-40DD-AFC4-6F175D3DCCD1}">
+              <a14:hiddenFill xmlns:a14="http://schemas.microsoft.com/office/drawing/2010/main">
+                <a:solidFill>
+                  <a:schemeClr val="accent1"/>
+                </a:solidFill>
+              </a14:hiddenFill>
+            </a:ext>
+            <a:ext uri="{91240B29-F687-4F45-9708-019B960494DF}">
+              <a14:hiddenLine xmlns:a14="http://schemas.microsoft.com/office/drawing/2010/main" w="9525">
+                <a:solidFill>
+                  <a:schemeClr val="tx1"/>
+                </a:solidFill>
+                <a:miter lim="800000"/>
+                <a:headEnd/>
+                <a:tailEnd/>
+              </a14:hiddenLine>
+            </a:ext>
+            <a:ext uri="{AF507438-7753-43E0-B8FC-AC1667EBCBE1}">
+              <a14:hiddenEffects xmlns:a14="http://schemas.microsoft.com/office/drawing/2010/main">
+                <a:effectLst>
+                  <a:outerShdw dist="35921" dir="2700000" algn="ctr" rotWithShape="0">
+                    <a:schemeClr val="bg2"/>
+                  </a:outerShdw>
+                </a:effectLst>
+              </a14:hiddenEffects>
+            </a:ext>
+          </a:extLst>
+        </p:spPr>
+      </p:pic>
+    </p:spTree>
+    <p:extLst>
+      <p:ext uri="{BB962C8B-B14F-4D97-AF65-F5344CB8AC3E}">
+        <p14:creationId xmlns:p14="http://schemas.microsoft.com/office/powerpoint/2010/main" val="1375532930"/>
+      </p:ext>
+    </p:extLst>
+  </p:cSld>
+  <p:clrMapOvr>
+    <a:masterClrMapping/>
+  </p:clrMapOvr>
+  <mc:AlternateContent xmlns:mc="http://schemas.openxmlformats.org/markup-compatibility/2006" xmlns:p14="http://schemas.microsoft.com/office/powerpoint/2010/main">
+    <mc:Choice Requires="p14">
+      <p:transition spd="slow" p14:dur="2000"/>
+    </mc:Choice>
+    <mc:Fallback xmlns="">
+      <p:transition spd="slow"/>
+    </mc:Fallback>
+  </mc:AlternateContent>
+  <p:timing>
+    <p:tnLst>
+      <p:par>
+        <p:cTn id="1" dur="indefinite" restart="never" nodeType="tmRoot"/>
+      </p:par>
+    </p:tnLst>
+  </p:timing>
+</p:sld>
+</file>
+
+<file path=ppt/slides/slide3.xml><?xml version="1.0" encoding="utf-8"?>
+<p:sld xmlns:a="http://schemas.openxmlformats.org/drawingml/2006/main" xmlns:r="http://schemas.openxmlformats.org/officeDocument/2006/relationships" xmlns:p="http://schemas.openxmlformats.org/presentationml/2006/main">
+  <p:cSld>
+    <p:spTree>
+      <p:nvGrpSpPr>
+        <p:cNvPr id="1" name=""/>
+        <p:cNvGrpSpPr/>
+        <p:nvPr/>
+      </p:nvGrpSpPr>
+      <p:grpSpPr>
+        <a:xfrm>
+          <a:off x="0" y="0"/>
+          <a:ext cx="0" cy="0"/>
+          <a:chOff x="0" y="0"/>
+          <a:chExt cx="0" cy="0"/>
+        </a:xfrm>
+      </p:grpSpPr>
+      <p:pic>
+        <p:nvPicPr>
+          <p:cNvPr id="3074" name="Picture 2"/>
+          <p:cNvPicPr>
+            <a:picLocks noChangeAspect="1" noChangeArrowheads="1"/>
+          </p:cNvPicPr>
+          <p:nvPr/>
+        </p:nvPicPr>
+        <p:blipFill>
+          <a:blip r:embed="rId3">
+            <a:extLst>
+              <a:ext uri="{28A0092B-C50C-407E-A947-70E740481C1C}">
+                <a14:useLocalDpi xmlns:a14="http://schemas.microsoft.com/office/drawing/2010/main" val="0"/>
+              </a:ext>
+            </a:extLst>
+          </a:blip>
+          <a:srcRect/>
+          <a:stretch>
+            <a:fillRect/>
+          </a:stretch>
+        </p:blipFill>
+        <p:spPr bwMode="auto">
+          <a:xfrm>
+            <a:off x="1895475" y="2131515"/>
+            <a:ext cx="4581525" cy="2910327"/>
+          </a:xfrm>
+          <a:prstGeom prst="rect">
+            <a:avLst/>
+          </a:prstGeom>
+          <a:noFill/>
+          <a:ln>
+            <a:noFill/>
+          </a:ln>
+          <a:effectLst/>
+          <a:extLst>
+            <a:ext uri="{909E8E84-426E-40DD-AFC4-6F175D3DCCD1}">
+              <a14:hiddenFill xmlns:a14="http://schemas.microsoft.com/office/drawing/2010/main">
+                <a:solidFill>
+                  <a:schemeClr val="accent1"/>
+                </a:solidFill>
+              </a14:hiddenFill>
+            </a:ext>
+            <a:ext uri="{91240B29-F687-4F45-9708-019B960494DF}">
+              <a14:hiddenLine xmlns:a14="http://schemas.microsoft.com/office/drawing/2010/main" w="9525">
+                <a:solidFill>
+                  <a:schemeClr val="tx1"/>
+                </a:solidFill>
+                <a:miter lim="800000"/>
+                <a:headEnd/>
+                <a:tailEnd/>
+              </a14:hiddenLine>
+            </a:ext>
+            <a:ext uri="{AF507438-7753-43E0-B8FC-AC1667EBCBE1}">
+              <a14:hiddenEffects xmlns:a14="http://schemas.microsoft.com/office/drawing/2010/main">
+                <a:effectLst>
+                  <a:outerShdw dist="35921" dir="2700000" algn="ctr" rotWithShape="0">
+                    <a:schemeClr val="bg2"/>
+                  </a:outerShdw>
+                </a:effectLst>
+              </a14:hiddenEffects>
+            </a:ext>
+          </a:extLst>
+        </p:spPr>
+      </p:pic>
+      <p:sp>
+        <p:nvSpPr>
+          <p:cNvPr id="3" name="AutoShape 2" descr="data:image/png;base64,iVBORw0KGgoAAAANSUhEUgAAANEAAADxCAMAAABiSKLrAAAAbFBMVEWIiIj////6+vr29vb19fX4+Pj5+fnu7u77+/v39/f9/f3z8/P+/v709PT8/Pyqqqrt7e3v7+/w8PDx8fHy8vK+vr7Q0NCjo6OBgYHY2Njk5OTHx8eNjY3c3NzGxsbn5+eWlpa1tbWcnJx6enob4+f+AAAIqklEQVR4nO3dCZuaOhQGYEZAh0FkX2W1//8/lkVMICeIkRmOPHz22lYg5OVEZLFzJRNrnC+xSGt3nJvQekMUYktnEiM1ouDrjCs/pukLkzoRtpjmNRcloRUFoiS8oo5UvLwsYpEgCaXoHLYiMRJqkRAJt0iEhFwkQMIqCgJRElpRLErCL3r1oxavSJSEWCRIQikyOtGQNPd8CaXICc04FiXhFomQkIsESChFbmhmwiT0opf3eBivMzSjLuORnh49oKxRKxIloayR24oESShFRScSI6EUJaGZCJNwiwhp/skFcpFAlbCLXiehF71MQisSJiEVVYkwqRP9oEpXI1HSXXRuWjo/2jz3f3v8YfjS7871lbU1EiT1IjrAKrvX/2iurzisijkk8OQC5ah7iERIyEUCJOyi10noRU9J490DUpFPRAApniJhFVnzSaOdOF6RKAmlKGhFgiTMohdIyYeIhEh30aV99E9NLo8VXLqn++Q/mIuIREid6DJsv32s91Ityi1hEtJRl5+ESX2NMKUR2ZYoCbNIjIRV5FiiJIyicx7mriVEKnCKfvxadBIloRQ1NTqJkcICpcgPr7rjOPYJZnFNbZVwikw/YHNlXmDi4xW9kU70jSnNqOu/xL4R0aWg3yNMgNHWp0I66i7Dy5PsdXFuApw1Eg8RndfuykLZa4Q/512EPrsIfzYtOmwje43wh4h+1u7KQvm5bk601wh9NlijXYQ+uwh/HqLrZkTXh+h4PDQP8lQ/PvAlSrT2xl0oRHQ5biOXXYQ+uwh/dhH+7CL82bRI3Ua2XKPvtTfuQvneReizi/BnF+HPLsKfTYu0bYQWsd5PfImIDmtv3IVy2EXos4vwZxfhzy7CH0okbyO7CH+2/D46rr1xF8pxF6HPLsKfXYQ/uwh/KJGyjWxatPZwWShEpK69cReKuovQZxfhzy7Cn12EP0SkGduItmHRzFF3P3r63ZHzTl4YdYqsHg/e/YdF2e7xcFRVrba109gMFp2evGhmjzpFVZLcvJVpl7K8hWaVB1liNVNdJh7VZ4Wd7P4aaa5I866lFEnDRHWksC5eVgtH8VWy8PHGTE5V/rr+QqSocTnm9CpTM+SMmRhVVJcPKbPYv5VFcs7x1F3P1eeikl1sXZHGB0lRLH+eSI75ICk6KZ8nctkOkaQN+cNEWjBRIimU0YpkHY4hmxOgqNIMHRaRJo6giLO+dyM/F1nsvpfqWVAv92Eihe0u3bNE+TgR/FkURfWhUHPMIBsguh6N0yKNs7o/EGkVIEpj+XA8fltJ0GzqDxMdQwBka+2gqQ/p9FYkpaNIiEXuje3OddQfg738rFCTcYmME9sdKXntbY1MBOy802JrotJ6bSUiInLia7y2+aZEbXuyxXbn5vXXGQazDs+6xUWGoql2kXU/DDrOssLWNFmZ65oQufeflwvU6PHDdO8ki/0xu/Rb7RVRvZNJgupW7y3bU+T6JLnej97MPLNUhbPIbJEV9U2y/eknHds5lfhfNMo/sb23oRX5LQXWGUmpGdtz3nxEpOiep7eP+5MFUEZJj+0SCnsCVX/CkrZUQFRvQG+8RkNOzHTi5LL0rW6x8YL0bwolGtdolqir0fQxAyQCNrdsVczFmdFS6fXp+4kSecPMEqntrAYkkklTYI288frkYKI+j+XCYtzRUdCIdMV/7mkWTDNmY6AU6bo5C9QknqwSEpFuzAdJUjZFQiJSoFMWfhIDu0ievDjD5ubquEV6AjVet3krU3B/Hvn8cYdDBJxUSlKVaJqmWvENMiXcImEQKcCYi26W1nZaN9SAXXFkcos0JZpxXLeICDpLDnVSBDkDusAtEhGN72p5J78LcMbn9+nudemgiDSlASLF66cC20NKbZ3qCnAnIfKp9gcxiIjVPj8/8mbVCBY9VsNes42C4YgBrgyUJ06NpkRdCuD8yB418pYIOkl2hyuQ2SOkKOMMO4M76vrBB4sG84Cjjrr5Cooeo4TdLwyGbLsC4IKgD93dHY66lUQye7gQxfqgfdcDhr7JeSOtLoL2dOn4KEdX2E+s0hp24j3RaUERsPnLLBmlYPceaYJVBB0Bja85p8ANn3rXgFX02kEqaSGAeywoGs7zjghYdqYoxyp68USCtMDZfX+wqHomav53fkBcWDSYx4NEBpkuAyLj3oSwSDIVsMM6ETVAp/3V/KG2tP/xRPRccI1IW7Comyr8PupE9052bbW/0yLHpX/1T1wRmQuskULa4oqcd/Z1pjLu6li0zqgDP49m5fmo+2NR3z50zFBYczLsBB6Rxx6y8Q5wRoE7LCaylhM5BnTs7cGdmZP1RZzdygeLXOjW9fg94jYXUnjjbBHRcJ5nImVKBA67fFgkL/HzIE4KRW7vM0/i/kQ0WSPHg75KldHdqc+h7pfZ0jKs/GuDM3hvNSLizSEqoroE1Yia7ELf00kIWS/o09z+EmLA6bC3hMh9TwRskDq51x47e4Zzhc73Qt64wyByPOjmUVT6cZZkcQV+0zxNflX05qgD36tSe3MilcCr1FLEe9sPRDYYjmgwD1wjMl1hm4h0ugF43PETVd6wB3RbKES2Pu+2cr9waHFBWESO+8JtyxrkckFYRDa8dxAAoRHNH3hRNTHkUIlsY9Z3TqR6LzcFokScSsKi4TzPRMYske0VT78XJJkJZ8uTzojV6FdEtmNkE9/diqLUzJTpAtmzalQyF6FvI5ETA9+OpraQwTYhwRvQMYqryX6sNn8vq8AynnqoGuXuCY7N/vMR3R7N47DzePR04J+gjJt4rM7V3SzwzbC8FzYtb2Z1jQtDd3nLDOLmD1E9v90++qfT4Lfh5N+cq/508shXb5st6Ll1cWa2RYu2EUo0p6QfkF2EP7sIf3YR/hCRs3ZXFoqzYdEGR92su1D4Q486yzq1D/L0iS85W67R2l1ZKLsIfzYs4l05+bg8rpxU/lZS3UXbyvZE/wFXu+LXNTDaDQAAAABJRU5ErkJggg=="/>
+          <p:cNvSpPr>
+            <a:spLocks noChangeAspect="1" noChangeArrowheads="1"/>
+          </p:cNvSpPr>
+          <p:nvPr/>
+        </p:nvSpPr>
+        <p:spPr bwMode="auto">
+          <a:xfrm>
+            <a:off x="155575" y="-144463"/>
+            <a:ext cx="304800" cy="304801"/>
+          </a:xfrm>
+          <a:prstGeom prst="rect">
+            <a:avLst/>
+          </a:prstGeom>
+          <a:noFill/>
+          <a:extLst>
+            <a:ext uri="{909E8E84-426E-40DD-AFC4-6F175D3DCCD1}">
+              <a14:hiddenFill xmlns:a14="http://schemas.microsoft.com/office/drawing/2010/main">
+                <a:solidFill>
+                  <a:srgbClr val="FFFFFF"/>
+                </a:solidFill>
+              </a14:hiddenFill>
+            </a:ext>
+          </a:extLst>
+        </p:spPr>
+        <p:txBody>
+          <a:bodyPr vert="horz" wrap="square" lIns="91440" tIns="45720" rIns="91440" bIns="45720" numCol="1" anchor="t" anchorCtr="0" compatLnSpc="1">
+            <a:prstTxWarp prst="textNoShape">
+              <a:avLst/>
+            </a:prstTxWarp>
+          </a:bodyPr>
+          <a:lstStyle/>
+          <a:p>
+            <a:endParaRPr lang="en-US" sz="1200" dirty="0"/>
+          </a:p>
+        </p:txBody>
+      </p:sp>
+      <p:sp>
+        <p:nvSpPr>
+          <p:cNvPr id="2" name="AutoShape 2" descr="Image result for file"/>
+          <p:cNvSpPr>
+            <a:spLocks noChangeAspect="1" noChangeArrowheads="1"/>
+          </p:cNvSpPr>
+          <p:nvPr/>
+        </p:nvSpPr>
+        <p:spPr bwMode="auto">
+          <a:xfrm>
+            <a:off x="307975" y="7937"/>
+            <a:ext cx="304800" cy="304801"/>
+          </a:xfrm>
+          <a:prstGeom prst="rect">
+            <a:avLst/>
+          </a:prstGeom>
+          <a:noFill/>
+          <a:extLst>
+            <a:ext uri="{909E8E84-426E-40DD-AFC4-6F175D3DCCD1}">
+              <a14:hiddenFill xmlns:a14="http://schemas.microsoft.com/office/drawing/2010/main">
+                <a:solidFill>
+                  <a:srgbClr val="FFFFFF"/>
+                </a:solidFill>
+              </a14:hiddenFill>
+            </a:ext>
+          </a:extLst>
+        </p:spPr>
+        <p:txBody>
+          <a:bodyPr vert="horz" wrap="square" lIns="91440" tIns="45720" rIns="91440" bIns="45720" numCol="1" anchor="t" anchorCtr="0" compatLnSpc="1">
+            <a:prstTxWarp prst="textNoShape">
+              <a:avLst/>
+            </a:prstTxWarp>
+          </a:bodyPr>
+          <a:lstStyle/>
+          <a:p>
+            <a:endParaRPr lang="en-US" dirty="0"/>
+          </a:p>
+        </p:txBody>
+      </p:sp>
+      <p:sp>
+        <p:nvSpPr>
+          <p:cNvPr id="9" name="Rectangle 8"/>
+          <p:cNvSpPr/>
+          <p:nvPr/>
+        </p:nvSpPr>
+        <p:spPr>
+          <a:xfrm>
+            <a:off x="3539452" y="23853"/>
+            <a:ext cx="1794548" cy="276999"/>
+          </a:xfrm>
+          <a:prstGeom prst="rect">
+            <a:avLst/>
+          </a:prstGeom>
+        </p:spPr>
+        <p:style>
+          <a:lnRef idx="1">
+            <a:schemeClr val="accent4"/>
+          </a:lnRef>
+          <a:fillRef idx="3">
+            <a:schemeClr val="accent4"/>
+          </a:fillRef>
+          <a:effectRef idx="2">
+            <a:schemeClr val="accent4"/>
+          </a:effectRef>
+          <a:fontRef idx="minor">
+            <a:schemeClr val="lt1"/>
+          </a:fontRef>
+        </p:style>
+        <p:txBody>
+          <a:bodyPr wrap="square">
+            <a:spAutoFit/>
+          </a:bodyPr>
+          <a:lstStyle>
+            <a:defPPr>
+              <a:defRPr lang="en-US"/>
+            </a:defPPr>
+            <a:lvl1pPr marL="0" algn="l" defTabSz="914400" rtl="0" eaLnBrk="1" latinLnBrk="0" hangingPunct="1">
+              <a:defRPr sz="1800" kern="1200">
+                <a:solidFill>
+                  <a:schemeClr val="lt1"/>
+                </a:solidFill>
+                <a:latin typeface="+mn-lt"/>
+                <a:ea typeface="+mn-ea"/>
+                <a:cs typeface="+mn-cs"/>
+              </a:defRPr>
+            </a:lvl1pPr>
+            <a:lvl2pPr marL="457200" algn="l" defTabSz="914400" rtl="0" eaLnBrk="1" latinLnBrk="0" hangingPunct="1">
+              <a:defRPr sz="1800" kern="1200">
+                <a:solidFill>
+                  <a:schemeClr val="lt1"/>
+                </a:solidFill>
+                <a:latin typeface="+mn-lt"/>
+                <a:ea typeface="+mn-ea"/>
+                <a:cs typeface="+mn-cs"/>
+              </a:defRPr>
+            </a:lvl2pPr>
+            <a:lvl3pPr marL="914400" algn="l" defTabSz="914400" rtl="0" eaLnBrk="1" latinLnBrk="0" hangingPunct="1">
+              <a:defRPr sz="1800" kern="1200">
+                <a:solidFill>
+                  <a:schemeClr val="lt1"/>
+                </a:solidFill>
+                <a:latin typeface="+mn-lt"/>
+                <a:ea typeface="+mn-ea"/>
+                <a:cs typeface="+mn-cs"/>
+              </a:defRPr>
+            </a:lvl3pPr>
+            <a:lvl4pPr marL="1371600" algn="l" defTabSz="914400" rtl="0" eaLnBrk="1" latinLnBrk="0" hangingPunct="1">
+              <a:defRPr sz="1800" kern="1200">
+                <a:solidFill>
+                  <a:schemeClr val="lt1"/>
+                </a:solidFill>
+                <a:latin typeface="+mn-lt"/>
+                <a:ea typeface="+mn-ea"/>
+                <a:cs typeface="+mn-cs"/>
+              </a:defRPr>
+            </a:lvl4pPr>
+            <a:lvl5pPr marL="1828800" algn="l" defTabSz="914400" rtl="0" eaLnBrk="1" latinLnBrk="0" hangingPunct="1">
+              <a:defRPr sz="1800" kern="1200">
+                <a:solidFill>
+                  <a:schemeClr val="lt1"/>
+                </a:solidFill>
+                <a:latin typeface="+mn-lt"/>
+                <a:ea typeface="+mn-ea"/>
+                <a:cs typeface="+mn-cs"/>
+              </a:defRPr>
+            </a:lvl5pPr>
+            <a:lvl6pPr marL="2286000" algn="l" defTabSz="914400" rtl="0" eaLnBrk="1" latinLnBrk="0" hangingPunct="1">
+              <a:defRPr sz="1800" kern="1200">
+                <a:solidFill>
+                  <a:schemeClr val="lt1"/>
+                </a:solidFill>
+                <a:latin typeface="+mn-lt"/>
+                <a:ea typeface="+mn-ea"/>
+                <a:cs typeface="+mn-cs"/>
+              </a:defRPr>
+            </a:lvl6pPr>
+            <a:lvl7pPr marL="2743200" algn="l" defTabSz="914400" rtl="0" eaLnBrk="1" latinLnBrk="0" hangingPunct="1">
+              <a:defRPr sz="1800" kern="1200">
+                <a:solidFill>
+                  <a:schemeClr val="lt1"/>
+                </a:solidFill>
+                <a:latin typeface="+mn-lt"/>
+                <a:ea typeface="+mn-ea"/>
+                <a:cs typeface="+mn-cs"/>
+              </a:defRPr>
+            </a:lvl7pPr>
+            <a:lvl8pPr marL="3200400" algn="l" defTabSz="914400" rtl="0" eaLnBrk="1" latinLnBrk="0" hangingPunct="1">
+              <a:defRPr sz="1800" kern="1200">
+                <a:solidFill>
+                  <a:schemeClr val="lt1"/>
+                </a:solidFill>
+                <a:latin typeface="+mn-lt"/>
+                <a:ea typeface="+mn-ea"/>
+                <a:cs typeface="+mn-cs"/>
+              </a:defRPr>
+            </a:lvl8pPr>
+            <a:lvl9pPr marL="3657600" algn="l" defTabSz="914400" rtl="0" eaLnBrk="1" latinLnBrk="0" hangingPunct="1">
+              <a:defRPr sz="1800" kern="1200">
+                <a:solidFill>
+                  <a:schemeClr val="lt1"/>
+                </a:solidFill>
+                <a:latin typeface="+mn-lt"/>
+                <a:ea typeface="+mn-ea"/>
+                <a:cs typeface="+mn-cs"/>
+              </a:defRPr>
+            </a:lvl9pPr>
+          </a:lstStyle>
+          <a:p>
+            <a:pPr algn="ctr"/>
+            <a:r>
+              <a:rPr lang="en-US" sz="1200" dirty="0"/>
+              <a:t>Web Services Overview</a:t>
+            </a:r>
+          </a:p>
+        </p:txBody>
+      </p:sp>
+      <p:sp>
+        <p:nvSpPr>
+          <p:cNvPr id="6" name="AutoShape 4" descr="Image result for xml symbol"/>
+          <p:cNvSpPr>
+            <a:spLocks noChangeAspect="1" noChangeArrowheads="1"/>
+          </p:cNvSpPr>
+          <p:nvPr/>
+        </p:nvSpPr>
+        <p:spPr bwMode="auto">
+          <a:xfrm>
+            <a:off x="-755650" y="465137"/>
+            <a:ext cx="304800" cy="304801"/>
+          </a:xfrm>
+          <a:prstGeom prst="rect">
+            <a:avLst/>
+          </a:prstGeom>
+          <a:noFill/>
+          <a:extLst>
+            <a:ext uri="{909E8E84-426E-40DD-AFC4-6F175D3DCCD1}">
+              <a14:hiddenFill xmlns:a14="http://schemas.microsoft.com/office/drawing/2010/main">
+                <a:solidFill>
+                  <a:srgbClr val="FFFFFF"/>
+                </a:solidFill>
+              </a14:hiddenFill>
+            </a:ext>
+          </a:extLst>
+        </p:spPr>
+        <p:txBody>
+          <a:bodyPr vert="horz" wrap="square" lIns="91440" tIns="45720" rIns="91440" bIns="45720" numCol="1" anchor="t" anchorCtr="0" compatLnSpc="1">
+            <a:prstTxWarp prst="textNoShape">
+              <a:avLst/>
+            </a:prstTxWarp>
+          </a:bodyPr>
+          <a:lstStyle/>
+          <a:p>
+            <a:endParaRPr lang="en-US"/>
+          </a:p>
+        </p:txBody>
+      </p:sp>
+      <p:sp>
+        <p:nvSpPr>
+          <p:cNvPr id="14" name="AutoShape 5" descr="List - Free interface icons"/>
+          <p:cNvSpPr>
+            <a:spLocks noChangeAspect="1" noChangeArrowheads="1"/>
+          </p:cNvSpPr>
+          <p:nvPr/>
+        </p:nvSpPr>
+        <p:spPr bwMode="auto">
+          <a:xfrm>
+            <a:off x="460375" y="160337"/>
+            <a:ext cx="304800" cy="304801"/>
+          </a:xfrm>
+          <a:prstGeom prst="rect">
+            <a:avLst/>
+          </a:prstGeom>
+          <a:noFill/>
+          <a:extLst>
+            <a:ext uri="{909E8E84-426E-40DD-AFC4-6F175D3DCCD1}">
+              <a14:hiddenFill xmlns:a14="http://schemas.microsoft.com/office/drawing/2010/main">
+                <a:solidFill>
+                  <a:srgbClr val="FFFFFF"/>
+                </a:solidFill>
+              </a14:hiddenFill>
+            </a:ext>
+          </a:extLst>
+        </p:spPr>
+        <p:txBody>
+          <a:bodyPr vert="horz" wrap="square" lIns="91440" tIns="45720" rIns="91440" bIns="45720" numCol="1" anchor="t" anchorCtr="0" compatLnSpc="1">
+            <a:prstTxWarp prst="textNoShape">
+              <a:avLst/>
+            </a:prstTxWarp>
+          </a:bodyPr>
+          <a:lstStyle/>
+          <a:p>
+            <a:endParaRPr lang="en-US"/>
+          </a:p>
+        </p:txBody>
+      </p:sp>
+      <p:sp>
+        <p:nvSpPr>
+          <p:cNvPr id="10" name="AutoShape 2" descr="Why isn't code reused in Microsoft Dynamic CRM projects? – Hosk's ..."/>
+          <p:cNvSpPr>
+            <a:spLocks noChangeAspect="1" noChangeArrowheads="1"/>
+          </p:cNvSpPr>
+          <p:nvPr/>
+        </p:nvSpPr>
+        <p:spPr bwMode="auto">
+          <a:xfrm>
+            <a:off x="612775" y="312737"/>
+            <a:ext cx="304800" cy="304801"/>
+          </a:xfrm>
+          <a:prstGeom prst="rect">
+            <a:avLst/>
+          </a:prstGeom>
+          <a:noFill/>
+          <a:extLst>
+            <a:ext uri="{909E8E84-426E-40DD-AFC4-6F175D3DCCD1}">
+              <a14:hiddenFill xmlns:a14="http://schemas.microsoft.com/office/drawing/2010/main">
+                <a:solidFill>
+                  <a:srgbClr val="FFFFFF"/>
+                </a:solidFill>
+              </a14:hiddenFill>
+            </a:ext>
+          </a:extLst>
+        </p:spPr>
+        <p:txBody>
+          <a:bodyPr vert="horz" wrap="square" lIns="91440" tIns="45720" rIns="91440" bIns="45720" numCol="1" anchor="t" anchorCtr="0" compatLnSpc="1">
+            <a:prstTxWarp prst="textNoShape">
+              <a:avLst/>
+            </a:prstTxWarp>
+          </a:bodyPr>
+          <a:lstStyle/>
+          <a:p>
+            <a:endParaRPr lang="en-US"/>
+          </a:p>
+        </p:txBody>
+      </p:sp>
+      <p:sp>
+        <p:nvSpPr>
+          <p:cNvPr id="15" name="Rounded Rectangle 14"/>
+          <p:cNvSpPr/>
+          <p:nvPr/>
+        </p:nvSpPr>
+        <p:spPr>
+          <a:xfrm>
+            <a:off x="155575" y="396102"/>
+            <a:ext cx="8836025" cy="1889898"/>
+          </a:xfrm>
+          <a:prstGeom prst="roundRect">
+            <a:avLst/>
+          </a:prstGeom>
+          <a:ln w="3175"/>
+        </p:spPr>
+        <p:style>
+          <a:lnRef idx="2">
+            <a:schemeClr val="accent4"/>
+          </a:lnRef>
+          <a:fillRef idx="1">
+            <a:schemeClr val="lt1"/>
+          </a:fillRef>
+          <a:effectRef idx="0">
+            <a:schemeClr val="accent4"/>
+          </a:effectRef>
+          <a:fontRef idx="minor">
+            <a:schemeClr val="dk1"/>
+          </a:fontRef>
+        </p:style>
+        <p:txBody>
+          <a:bodyPr rtlCol="0" anchor="ctr"/>
+          <a:lstStyle/>
+          <a:p>
+            <a:pPr marL="171450" indent="-171450">
+              <a:buFont typeface="Wingdings" panose="05000000000000000000" pitchFamily="2" charset="2"/>
+              <a:buChar char="ü"/>
+            </a:pPr>
+            <a:endParaRPr lang="en-US" sz="1200" dirty="0" smtClean="0"/>
+          </a:p>
+          <a:p>
+            <a:pPr marL="171450" indent="-171450">
+              <a:buFont typeface="Wingdings" panose="05000000000000000000" pitchFamily="2" charset="2"/>
+              <a:buChar char="ü"/>
+            </a:pPr>
+            <a:r>
+              <a:rPr lang="en-US" sz="1200" dirty="0" smtClean="0"/>
+              <a:t>The </a:t>
+            </a:r>
+            <a:r>
+              <a:rPr lang="en-US" sz="1200" dirty="0"/>
+              <a:t>main difference between a web service and a web site is, that a web site is typically intended for human consumption (human-to-computer interaction), whereas web services are typically intended for computer-to-computer interaction</a:t>
+            </a:r>
+            <a:r>
+              <a:rPr lang="en-US" sz="1200" dirty="0" smtClean="0"/>
+              <a:t>.</a:t>
+            </a:r>
+          </a:p>
+          <a:p>
+            <a:pPr marL="171450" indent="-171450">
+              <a:buFont typeface="Wingdings" panose="05000000000000000000" pitchFamily="2" charset="2"/>
+              <a:buChar char="ü"/>
+            </a:pPr>
+            <a:endParaRPr lang="en-US" sz="1200" dirty="0" smtClean="0"/>
+          </a:p>
+          <a:p>
+            <a:pPr marL="171450" indent="-171450">
+              <a:buFont typeface="Wingdings" panose="05000000000000000000" pitchFamily="2" charset="2"/>
+              <a:buChar char="ü"/>
+            </a:pPr>
+            <a:r>
+              <a:rPr lang="en-US" sz="1200" dirty="0"/>
+              <a:t>A web application can contain both a graphical user interface for human users, as well as a set of web services for computer "users" (clients). For instance, a payment service like </a:t>
+            </a:r>
+            <a:r>
+              <a:rPr lang="en-US" sz="1200" dirty="0" err="1"/>
+              <a:t>Paypal</a:t>
+            </a:r>
+            <a:r>
+              <a:rPr lang="en-US" sz="1200" dirty="0"/>
+              <a:t> has both a graphical user interface for human users, as well as a set of web services through which you can have your own backend systems access the </a:t>
+            </a:r>
+            <a:r>
+              <a:rPr lang="en-US" sz="1200" dirty="0" err="1"/>
+              <a:t>Paypal</a:t>
+            </a:r>
+            <a:r>
+              <a:rPr lang="en-US" sz="1200" dirty="0"/>
+              <a:t> services</a:t>
+            </a:r>
+            <a:r>
+              <a:rPr lang="en-US" sz="1200" dirty="0" smtClean="0"/>
+              <a:t>.</a:t>
+            </a:r>
+          </a:p>
+          <a:p>
+            <a:pPr marL="171450" indent="-171450">
+              <a:buFont typeface="Wingdings" panose="05000000000000000000" pitchFamily="2" charset="2"/>
+              <a:buChar char="ü"/>
+            </a:pPr>
+            <a:endParaRPr lang="en-US" sz="1200" dirty="0"/>
+          </a:p>
+          <a:p>
+            <a:pPr marL="171450" indent="-171450">
+              <a:buFont typeface="Wingdings" panose="05000000000000000000" pitchFamily="2" charset="2"/>
+              <a:buChar char="ü"/>
+            </a:pPr>
+            <a:r>
+              <a:rPr lang="en-US" sz="1200" dirty="0"/>
+              <a:t>This </a:t>
+            </a:r>
+            <a:r>
+              <a:rPr lang="en-US" sz="1200" dirty="0" smtClean="0"/>
+              <a:t>below diagram shows </a:t>
+            </a:r>
+            <a:r>
+              <a:rPr lang="en-US" sz="1200" dirty="0"/>
+              <a:t>a web application that contains both a graphical user interface, and a web service interface (a set of web services exposing selected functions of the web application</a:t>
+            </a:r>
+            <a:r>
+              <a:rPr lang="en-US" sz="1200" dirty="0" smtClean="0"/>
+              <a:t>)</a:t>
+            </a:r>
+          </a:p>
+          <a:p>
+            <a:pPr marL="171450" indent="-171450">
+              <a:buFont typeface="Wingdings" panose="05000000000000000000" pitchFamily="2" charset="2"/>
+              <a:buChar char="ü"/>
+            </a:pPr>
+            <a:endParaRPr lang="en-US" sz="1200" dirty="0"/>
+          </a:p>
+        </p:txBody>
+      </p:sp>
+    </p:spTree>
+    <p:extLst>
+      <p:ext uri="{BB962C8B-B14F-4D97-AF65-F5344CB8AC3E}">
+        <p14:creationId xmlns:p14="http://schemas.microsoft.com/office/powerpoint/2010/main" val="3862260733"/>
+      </p:ext>
+    </p:extLst>
+  </p:cSld>
+  <p:clrMapOvr>
+    <a:masterClrMapping/>
+  </p:clrMapOvr>
+  <mc:AlternateContent xmlns:mc="http://schemas.openxmlformats.org/markup-compatibility/2006" xmlns:p14="http://schemas.microsoft.com/office/powerpoint/2010/main">
+    <mc:Choice Requires="p14">
+      <p:transition spd="slow" p14:dur="2000"/>
+    </mc:Choice>
+    <mc:Fallback xmlns="">
+      <p:transition spd="slow"/>
+    </mc:Fallback>
+  </mc:AlternateContent>
+  <p:timing>
+    <p:tnLst>
+      <p:par>
+        <p:cTn id="1" dur="indefinite" restart="never" nodeType="tmRoot"/>
+      </p:par>
+    </p:tnLst>
+  </p:timing>
+</p:sld>
+</file>
+
+<file path=ppt/slides/slide4.xml><?xml version="1.0" encoding="utf-8"?>
+<p:sld xmlns:a="http://schemas.openxmlformats.org/drawingml/2006/main" xmlns:r="http://schemas.openxmlformats.org/officeDocument/2006/relationships" xmlns:p="http://schemas.openxmlformats.org/presentationml/2006/main">
+  <p:cSld>
+    <p:spTree>
+      <p:nvGrpSpPr>
+        <p:cNvPr id="1" name=""/>
+        <p:cNvGrpSpPr/>
+        <p:nvPr/>
+      </p:nvGrpSpPr>
+      <p:grpSpPr>
+        <a:xfrm>
+          <a:off x="0" y="0"/>
+          <a:ext cx="0" cy="0"/>
+          <a:chOff x="0" y="0"/>
+          <a:chExt cx="0" cy="0"/>
+        </a:xfrm>
+      </p:grpSpPr>
+      <p:sp>
+        <p:nvSpPr>
+          <p:cNvPr id="3" name="AutoShape 2" descr="data:image/png;base64,iVBORw0KGgoAAAANSUhEUgAAANEAAADxCAMAAABiSKLrAAAAbFBMVEWIiIj////6+vr29vb19fX4+Pj5+fnu7u77+/v39/f9/f3z8/P+/v709PT8/Pyqqqrt7e3v7+/w8PDx8fHy8vK+vr7Q0NCjo6OBgYHY2Njk5OTHx8eNjY3c3NzGxsbn5+eWlpa1tbWcnJx6enob4+f+AAAIqklEQVR4nO3dCZuaOhQGYEZAh0FkX2W1//8/lkVMICeIkRmOPHz22lYg5OVEZLFzJRNrnC+xSGt3nJvQekMUYktnEiM1ouDrjCs/pukLkzoRtpjmNRcloRUFoiS8oo5UvLwsYpEgCaXoHLYiMRJqkRAJt0iEhFwkQMIqCgJRElpRLErCL3r1oxavSJSEWCRIQikyOtGQNPd8CaXICc04FiXhFomQkIsESChFbmhmwiT0opf3eBivMzSjLuORnh49oKxRKxIloayR24oESShFRScSI6EUJaGZCJNwiwhp/skFcpFAlbCLXiehF71MQisSJiEVVYkwqRP9oEpXI1HSXXRuWjo/2jz3f3v8YfjS7871lbU1EiT1IjrAKrvX/2iurzisijkk8OQC5ah7iERIyEUCJOyi10noRU9J490DUpFPRAApniJhFVnzSaOdOF6RKAmlKGhFgiTMohdIyYeIhEh30aV99E9NLo8VXLqn++Q/mIuIREid6DJsv32s91Ityi1hEtJRl5+ESX2NMKUR2ZYoCbNIjIRV5FiiJIyicx7mriVEKnCKfvxadBIloRQ1NTqJkcICpcgPr7rjOPYJZnFNbZVwikw/YHNlXmDi4xW9kU70jSnNqOu/xL4R0aWg3yNMgNHWp0I66i7Dy5PsdXFuApw1Eg8RndfuykLZa4Q/512EPrsIfzYtOmwje43wh4h+1u7KQvm5bk601wh9NlijXYQ+uwh/HqLrZkTXh+h4PDQP8lQ/PvAlSrT2xl0oRHQ5biOXXYQ+uwh/dhH+7CL82bRI3Ua2XKPvtTfuQvneReizi/BnF+HPLsKfTYu0bYQWsd5PfImIDmtv3IVy2EXos4vwZxfhzy7CH0okbyO7CH+2/D46rr1xF8pxF6HPLsKfXYQ/uwh/KJGyjWxatPZwWShEpK69cReKuovQZxfhzy7Cn12EP0SkGduItmHRzFF3P3r63ZHzTl4YdYqsHg/e/YdF2e7xcFRVrba109gMFp2evGhmjzpFVZLcvJVpl7K8hWaVB1liNVNdJh7VZ4Wd7P4aaa5I866lFEnDRHWksC5eVgtH8VWy8PHGTE5V/rr+QqSocTnm9CpTM+SMmRhVVJcPKbPYv5VFcs7x1F3P1eeikl1sXZHGB0lRLH+eSI75ICk6KZ8nctkOkaQN+cNEWjBRIimU0YpkHY4hmxOgqNIMHRaRJo6giLO+dyM/F1nsvpfqWVAv92Eihe0u3bNE+TgR/FkURfWhUHPMIBsguh6N0yKNs7o/EGkVIEpj+XA8fltJ0GzqDxMdQwBka+2gqQ/p9FYkpaNIiEXuje3OddQfg738rFCTcYmME9sdKXntbY1MBOy802JrotJ6bSUiInLia7y2+aZEbXuyxXbn5vXXGQazDs+6xUWGoql2kXU/DDrOssLWNFmZ65oQufeflwvU6PHDdO8ki/0xu/Rb7RVRvZNJgupW7y3bU+T6JLnej97MPLNUhbPIbJEV9U2y/eknHds5lfhfNMo/sb23oRX5LQXWGUmpGdtz3nxEpOiep7eP+5MFUEZJj+0SCnsCVX/CkrZUQFRvQG+8RkNOzHTi5LL0rW6x8YL0bwolGtdolqir0fQxAyQCNrdsVczFmdFS6fXp+4kSecPMEqntrAYkkklTYI288frkYKI+j+XCYtzRUdCIdMV/7mkWTDNmY6AU6bo5C9QknqwSEpFuzAdJUjZFQiJSoFMWfhIDu0ievDjD5ubquEV6AjVet3krU3B/Hvn8cYdDBJxUSlKVaJqmWvENMiXcImEQKcCYi26W1nZaN9SAXXFkcos0JZpxXLeICDpLDnVSBDkDusAtEhGN72p5J78LcMbn9+nudemgiDSlASLF66cC20NKbZ3qCnAnIfKp9gcxiIjVPj8/8mbVCBY9VsNes42C4YgBrgyUJ06NpkRdCuD8yB418pYIOkl2hyuQ2SOkKOMMO4M76vrBB4sG84Cjjrr5Cooeo4TdLwyGbLsC4IKgD93dHY66lUQye7gQxfqgfdcDhr7JeSOtLoL2dOn4KEdX2E+s0hp24j3RaUERsPnLLBmlYPceaYJVBB0Bja85p8ANn3rXgFX02kEqaSGAeywoGs7zjghYdqYoxyp68USCtMDZfX+wqHomav53fkBcWDSYx4NEBpkuAyLj3oSwSDIVsMM6ETVAp/3V/KG2tP/xRPRccI1IW7Comyr8PupE9052bbW/0yLHpX/1T1wRmQuskULa4oqcd/Z1pjLu6li0zqgDP49m5fmo+2NR3z50zFBYczLsBB6Rxx6y8Q5wRoE7LCaylhM5BnTs7cGdmZP1RZzdygeLXOjW9fg94jYXUnjjbBHRcJ5nImVKBA67fFgkL/HzIE4KRW7vM0/i/kQ0WSPHg75KldHdqc+h7pfZ0jKs/GuDM3hvNSLizSEqoroE1Yia7ELf00kIWS/o09z+EmLA6bC3hMh9TwRskDq51x47e4Zzhc73Qt64wyByPOjmUVT6cZZkcQV+0zxNflX05qgD36tSe3MilcCr1FLEe9sPRDYYjmgwD1wjMl1hm4h0ugF43PETVd6wB3RbKES2Pu+2cr9waHFBWESO+8JtyxrkckFYRDa8dxAAoRHNH3hRNTHkUIlsY9Z3TqR6LzcFokScSsKi4TzPRMYske0VT78XJJkJZ8uTzojV6FdEtmNkE9/diqLUzJTpAtmzalQyF6FvI5ETA9+OpraQwTYhwRvQMYqryX6sNn8vq8AynnqoGuXuCY7N/vMR3R7N47DzePR04J+gjJt4rM7V3SzwzbC8FzYtb2Z1jQtDd3nLDOLmD1E9v90++qfT4Lfh5N+cq/508shXb5st6Ll1cWa2RYu2EUo0p6QfkF2EP7sIf3YR/hCRs3ZXFoqzYdEGR92su1D4Q486yzq1D/L0iS85W67R2l1ZKLsIfzYs4l05+bg8rpxU/lZS3UXbyvZE/wFXu+LXNTDaDQAAAABJRU5ErkJggg=="/>
+          <p:cNvSpPr>
+            <a:spLocks noChangeAspect="1" noChangeArrowheads="1"/>
+          </p:cNvSpPr>
+          <p:nvPr/>
+        </p:nvSpPr>
+        <p:spPr bwMode="auto">
+          <a:xfrm>
+            <a:off x="155575" y="-144463"/>
+            <a:ext cx="304800" cy="304801"/>
+          </a:xfrm>
+          <a:prstGeom prst="rect">
+            <a:avLst/>
+          </a:prstGeom>
+          <a:noFill/>
+          <a:extLst>
+            <a:ext uri="{909E8E84-426E-40DD-AFC4-6F175D3DCCD1}">
+              <a14:hiddenFill xmlns:a14="http://schemas.microsoft.com/office/drawing/2010/main">
+                <a:solidFill>
+                  <a:srgbClr val="FFFFFF"/>
+                </a:solidFill>
+              </a14:hiddenFill>
+            </a:ext>
+          </a:extLst>
+        </p:spPr>
+        <p:txBody>
+          <a:bodyPr vert="horz" wrap="square" lIns="91440" tIns="45720" rIns="91440" bIns="45720" numCol="1" anchor="t" anchorCtr="0" compatLnSpc="1">
+            <a:prstTxWarp prst="textNoShape">
+              <a:avLst/>
+            </a:prstTxWarp>
+          </a:bodyPr>
+          <a:lstStyle/>
+          <a:p>
+            <a:endParaRPr lang="en-US" sz="1200" dirty="0"/>
+          </a:p>
+        </p:txBody>
+      </p:sp>
+      <p:sp>
+        <p:nvSpPr>
+          <p:cNvPr id="2" name="AutoShape 2" descr="Image result for file"/>
+          <p:cNvSpPr>
+            <a:spLocks noChangeAspect="1" noChangeArrowheads="1"/>
+          </p:cNvSpPr>
+          <p:nvPr/>
+        </p:nvSpPr>
+        <p:spPr bwMode="auto">
+          <a:xfrm>
+            <a:off x="307975" y="7937"/>
+            <a:ext cx="304800" cy="304801"/>
+          </a:xfrm>
+          <a:prstGeom prst="rect">
+            <a:avLst/>
+          </a:prstGeom>
+          <a:noFill/>
+          <a:extLst>
+            <a:ext uri="{909E8E84-426E-40DD-AFC4-6F175D3DCCD1}">
+              <a14:hiddenFill xmlns:a14="http://schemas.microsoft.com/office/drawing/2010/main">
+                <a:solidFill>
+                  <a:srgbClr val="FFFFFF"/>
+                </a:solidFill>
+              </a14:hiddenFill>
+            </a:ext>
+          </a:extLst>
+        </p:spPr>
+        <p:txBody>
+          <a:bodyPr vert="horz" wrap="square" lIns="91440" tIns="45720" rIns="91440" bIns="45720" numCol="1" anchor="t" anchorCtr="0" compatLnSpc="1">
+            <a:prstTxWarp prst="textNoShape">
+              <a:avLst/>
+            </a:prstTxWarp>
+          </a:bodyPr>
+          <a:lstStyle/>
+          <a:p>
+            <a:endParaRPr lang="en-US" dirty="0"/>
+          </a:p>
+        </p:txBody>
+      </p:sp>
+      <p:sp>
+        <p:nvSpPr>
+          <p:cNvPr id="9" name="Rectangle 8"/>
+          <p:cNvSpPr/>
+          <p:nvPr/>
+        </p:nvSpPr>
+        <p:spPr>
+          <a:xfrm>
+            <a:off x="3539452" y="23853"/>
+            <a:ext cx="1794548" cy="276999"/>
+          </a:xfrm>
+          <a:prstGeom prst="rect">
+            <a:avLst/>
+          </a:prstGeom>
+        </p:spPr>
+        <p:style>
+          <a:lnRef idx="1">
+            <a:schemeClr val="accent4"/>
+          </a:lnRef>
+          <a:fillRef idx="3">
+            <a:schemeClr val="accent4"/>
+          </a:fillRef>
+          <a:effectRef idx="2">
+            <a:schemeClr val="accent4"/>
+          </a:effectRef>
+          <a:fontRef idx="minor">
+            <a:schemeClr val="lt1"/>
+          </a:fontRef>
+        </p:style>
+        <p:txBody>
+          <a:bodyPr wrap="square">
+            <a:spAutoFit/>
+          </a:bodyPr>
+          <a:lstStyle>
+            <a:defPPr>
+              <a:defRPr lang="en-US"/>
+            </a:defPPr>
+            <a:lvl1pPr marL="0" algn="l" defTabSz="914400" rtl="0" eaLnBrk="1" latinLnBrk="0" hangingPunct="1">
+              <a:defRPr sz="1800" kern="1200">
+                <a:solidFill>
+                  <a:schemeClr val="lt1"/>
+                </a:solidFill>
+                <a:latin typeface="+mn-lt"/>
+                <a:ea typeface="+mn-ea"/>
+                <a:cs typeface="+mn-cs"/>
+              </a:defRPr>
+            </a:lvl1pPr>
+            <a:lvl2pPr marL="457200" algn="l" defTabSz="914400" rtl="0" eaLnBrk="1" latinLnBrk="0" hangingPunct="1">
+              <a:defRPr sz="1800" kern="1200">
+                <a:solidFill>
+                  <a:schemeClr val="lt1"/>
+                </a:solidFill>
+                <a:latin typeface="+mn-lt"/>
+                <a:ea typeface="+mn-ea"/>
+                <a:cs typeface="+mn-cs"/>
+              </a:defRPr>
+            </a:lvl2pPr>
+            <a:lvl3pPr marL="914400" algn="l" defTabSz="914400" rtl="0" eaLnBrk="1" latinLnBrk="0" hangingPunct="1">
+              <a:defRPr sz="1800" kern="1200">
+                <a:solidFill>
+                  <a:schemeClr val="lt1"/>
+                </a:solidFill>
+                <a:latin typeface="+mn-lt"/>
+                <a:ea typeface="+mn-ea"/>
+                <a:cs typeface="+mn-cs"/>
+              </a:defRPr>
+            </a:lvl3pPr>
+            <a:lvl4pPr marL="1371600" algn="l" defTabSz="914400" rtl="0" eaLnBrk="1" latinLnBrk="0" hangingPunct="1">
+              <a:defRPr sz="1800" kern="1200">
+                <a:solidFill>
+                  <a:schemeClr val="lt1"/>
+                </a:solidFill>
+                <a:latin typeface="+mn-lt"/>
+                <a:ea typeface="+mn-ea"/>
+                <a:cs typeface="+mn-cs"/>
+              </a:defRPr>
+            </a:lvl4pPr>
+            <a:lvl5pPr marL="1828800" algn="l" defTabSz="914400" rtl="0" eaLnBrk="1" latinLnBrk="0" hangingPunct="1">
+              <a:defRPr sz="1800" kern="1200">
+                <a:solidFill>
+                  <a:schemeClr val="lt1"/>
+                </a:solidFill>
+                <a:latin typeface="+mn-lt"/>
+                <a:ea typeface="+mn-ea"/>
+                <a:cs typeface="+mn-cs"/>
+              </a:defRPr>
+            </a:lvl5pPr>
+            <a:lvl6pPr marL="2286000" algn="l" defTabSz="914400" rtl="0" eaLnBrk="1" latinLnBrk="0" hangingPunct="1">
+              <a:defRPr sz="1800" kern="1200">
+                <a:solidFill>
+                  <a:schemeClr val="lt1"/>
+                </a:solidFill>
+                <a:latin typeface="+mn-lt"/>
+                <a:ea typeface="+mn-ea"/>
+                <a:cs typeface="+mn-cs"/>
+              </a:defRPr>
+            </a:lvl6pPr>
+            <a:lvl7pPr marL="2743200" algn="l" defTabSz="914400" rtl="0" eaLnBrk="1" latinLnBrk="0" hangingPunct="1">
+              <a:defRPr sz="1800" kern="1200">
+                <a:solidFill>
+                  <a:schemeClr val="lt1"/>
+                </a:solidFill>
+                <a:latin typeface="+mn-lt"/>
+                <a:ea typeface="+mn-ea"/>
+                <a:cs typeface="+mn-cs"/>
+              </a:defRPr>
+            </a:lvl7pPr>
+            <a:lvl8pPr marL="3200400" algn="l" defTabSz="914400" rtl="0" eaLnBrk="1" latinLnBrk="0" hangingPunct="1">
+              <a:defRPr sz="1800" kern="1200">
+                <a:solidFill>
+                  <a:schemeClr val="lt1"/>
+                </a:solidFill>
+                <a:latin typeface="+mn-lt"/>
+                <a:ea typeface="+mn-ea"/>
+                <a:cs typeface="+mn-cs"/>
+              </a:defRPr>
+            </a:lvl8pPr>
+            <a:lvl9pPr marL="3657600" algn="l" defTabSz="914400" rtl="0" eaLnBrk="1" latinLnBrk="0" hangingPunct="1">
+              <a:defRPr sz="1800" kern="1200">
+                <a:solidFill>
+                  <a:schemeClr val="lt1"/>
+                </a:solidFill>
+                <a:latin typeface="+mn-lt"/>
+                <a:ea typeface="+mn-ea"/>
+                <a:cs typeface="+mn-cs"/>
+              </a:defRPr>
+            </a:lvl9pPr>
+          </a:lstStyle>
+          <a:p>
+            <a:pPr algn="ctr"/>
+            <a:r>
+              <a:rPr lang="en-US" sz="1200" dirty="0"/>
+              <a:t>Web Services Overview</a:t>
+            </a:r>
+          </a:p>
+        </p:txBody>
+      </p:sp>
+      <p:sp>
+        <p:nvSpPr>
+          <p:cNvPr id="6" name="AutoShape 4" descr="Image result for xml symbol"/>
+          <p:cNvSpPr>
+            <a:spLocks noChangeAspect="1" noChangeArrowheads="1"/>
+          </p:cNvSpPr>
+          <p:nvPr/>
+        </p:nvSpPr>
+        <p:spPr bwMode="auto">
+          <a:xfrm>
+            <a:off x="-755650" y="465137"/>
+            <a:ext cx="304800" cy="304801"/>
+          </a:xfrm>
+          <a:prstGeom prst="rect">
+            <a:avLst/>
+          </a:prstGeom>
+          <a:noFill/>
+          <a:extLst>
+            <a:ext uri="{909E8E84-426E-40DD-AFC4-6F175D3DCCD1}">
+              <a14:hiddenFill xmlns:a14="http://schemas.microsoft.com/office/drawing/2010/main">
+                <a:solidFill>
+                  <a:srgbClr val="FFFFFF"/>
+                </a:solidFill>
+              </a14:hiddenFill>
+            </a:ext>
+          </a:extLst>
+        </p:spPr>
+        <p:txBody>
+          <a:bodyPr vert="horz" wrap="square" lIns="91440" tIns="45720" rIns="91440" bIns="45720" numCol="1" anchor="t" anchorCtr="0" compatLnSpc="1">
+            <a:prstTxWarp prst="textNoShape">
+              <a:avLst/>
+            </a:prstTxWarp>
+          </a:bodyPr>
+          <a:lstStyle/>
+          <a:p>
+            <a:endParaRPr lang="en-US"/>
+          </a:p>
+        </p:txBody>
+      </p:sp>
+      <p:sp>
+        <p:nvSpPr>
+          <p:cNvPr id="14" name="AutoShape 5" descr="List - Free interface icons"/>
+          <p:cNvSpPr>
+            <a:spLocks noChangeAspect="1" noChangeArrowheads="1"/>
+          </p:cNvSpPr>
+          <p:nvPr/>
+        </p:nvSpPr>
+        <p:spPr bwMode="auto">
+          <a:xfrm>
+            <a:off x="460375" y="160337"/>
+            <a:ext cx="304800" cy="304801"/>
+          </a:xfrm>
+          <a:prstGeom prst="rect">
+            <a:avLst/>
+          </a:prstGeom>
+          <a:noFill/>
+          <a:extLst>
+            <a:ext uri="{909E8E84-426E-40DD-AFC4-6F175D3DCCD1}">
+              <a14:hiddenFill xmlns:a14="http://schemas.microsoft.com/office/drawing/2010/main">
+                <a:solidFill>
+                  <a:srgbClr val="FFFFFF"/>
+                </a:solidFill>
+              </a14:hiddenFill>
+            </a:ext>
+          </a:extLst>
+        </p:spPr>
+        <p:txBody>
+          <a:bodyPr vert="horz" wrap="square" lIns="91440" tIns="45720" rIns="91440" bIns="45720" numCol="1" anchor="t" anchorCtr="0" compatLnSpc="1">
+            <a:prstTxWarp prst="textNoShape">
+              <a:avLst/>
+            </a:prstTxWarp>
+          </a:bodyPr>
+          <a:lstStyle/>
+          <a:p>
+            <a:endParaRPr lang="en-US"/>
+          </a:p>
+        </p:txBody>
+      </p:sp>
+      <p:sp>
+        <p:nvSpPr>
+          <p:cNvPr id="10" name="AutoShape 2" descr="Why isn't code reused in Microsoft Dynamic CRM projects? – Hosk's ..."/>
+          <p:cNvSpPr>
+            <a:spLocks noChangeAspect="1" noChangeArrowheads="1"/>
+          </p:cNvSpPr>
+          <p:nvPr/>
+        </p:nvSpPr>
+        <p:spPr bwMode="auto">
+          <a:xfrm>
+            <a:off x="612775" y="312737"/>
+            <a:ext cx="304800" cy="304801"/>
+          </a:xfrm>
+          <a:prstGeom prst="rect">
+            <a:avLst/>
+          </a:prstGeom>
+          <a:noFill/>
+          <a:extLst>
+            <a:ext uri="{909E8E84-426E-40DD-AFC4-6F175D3DCCD1}">
+              <a14:hiddenFill xmlns:a14="http://schemas.microsoft.com/office/drawing/2010/main">
+                <a:solidFill>
+                  <a:srgbClr val="FFFFFF"/>
+                </a:solidFill>
+              </a14:hiddenFill>
+            </a:ext>
+          </a:extLst>
+        </p:spPr>
+        <p:txBody>
+          <a:bodyPr vert="horz" wrap="square" lIns="91440" tIns="45720" rIns="91440" bIns="45720" numCol="1" anchor="t" anchorCtr="0" compatLnSpc="1">
+            <a:prstTxWarp prst="textNoShape">
+              <a:avLst/>
+            </a:prstTxWarp>
+          </a:bodyPr>
+          <a:lstStyle/>
+          <a:p>
+            <a:endParaRPr lang="en-US"/>
+          </a:p>
+        </p:txBody>
+      </p:sp>
+      <p:sp>
+        <p:nvSpPr>
+          <p:cNvPr id="15" name="Rounded Rectangle 14"/>
+          <p:cNvSpPr/>
+          <p:nvPr/>
+        </p:nvSpPr>
+        <p:spPr>
+          <a:xfrm>
+            <a:off x="155575" y="396102"/>
+            <a:ext cx="8836025" cy="1889898"/>
+          </a:xfrm>
+          <a:prstGeom prst="roundRect">
+            <a:avLst/>
+          </a:prstGeom>
+          <a:ln w="3175"/>
+        </p:spPr>
+        <p:style>
+          <a:lnRef idx="2">
+            <a:schemeClr val="accent4"/>
+          </a:lnRef>
+          <a:fillRef idx="1">
+            <a:schemeClr val="lt1"/>
+          </a:fillRef>
+          <a:effectRef idx="0">
+            <a:schemeClr val="accent4"/>
+          </a:effectRef>
+          <a:fontRef idx="minor">
+            <a:schemeClr val="dk1"/>
+          </a:fontRef>
+        </p:style>
+        <p:txBody>
+          <a:bodyPr rtlCol="0" anchor="ctr"/>
+          <a:lstStyle/>
+          <a:p>
+            <a:pPr marL="171450" indent="-171450">
+              <a:buFont typeface="Wingdings" pitchFamily="2" charset="2"/>
+              <a:buChar char="ü"/>
+            </a:pPr>
+            <a:r>
+              <a:rPr lang="en-US" sz="1200" dirty="0"/>
+              <a:t>There are multiple types of web services. Some web services a client calls to obtain some information. For instance, a client may call a weather web service to read weather information. These are typical read-only web services. A read-only web service may in practice send an empty request to the web service, which then sends the data back. So, even if a web service is read-only, the client might actually have to send some data (a minimal request) to the web service to obtain the data it wants to read</a:t>
+            </a:r>
+            <a:r>
+              <a:rPr lang="en-US" sz="1200" dirty="0" smtClean="0"/>
+              <a:t>.</a:t>
+            </a:r>
+          </a:p>
+          <a:p>
+            <a:pPr marL="171450" indent="-171450">
+              <a:buFont typeface="Wingdings" pitchFamily="2" charset="2"/>
+              <a:buChar char="ü"/>
+            </a:pPr>
+            <a:endParaRPr lang="en-US" sz="1200" dirty="0"/>
+          </a:p>
+          <a:p>
+            <a:pPr marL="171450" indent="-171450">
+              <a:buFont typeface="Wingdings" pitchFamily="2" charset="2"/>
+              <a:buChar char="ü"/>
+            </a:pPr>
+            <a:r>
+              <a:rPr lang="en-US" sz="1200" dirty="0"/>
+              <a:t>Other web services are more write-only kind of web services. For instance, you may transfer data to a web service at regular intervals</a:t>
+            </a:r>
+            <a:r>
+              <a:rPr lang="en-US" sz="1200" dirty="0" smtClean="0"/>
+              <a:t>.</a:t>
+            </a:r>
+          </a:p>
+          <a:p>
+            <a:pPr marL="171450" indent="-171450">
+              <a:buFont typeface="Wingdings" pitchFamily="2" charset="2"/>
+              <a:buChar char="ü"/>
+            </a:pPr>
+            <a:endParaRPr lang="en-US" sz="1200" dirty="0"/>
+          </a:p>
+          <a:p>
+            <a:pPr marL="171450" indent="-171450">
+              <a:buFont typeface="Wingdings" pitchFamily="2" charset="2"/>
+              <a:buChar char="ü"/>
+            </a:pPr>
+            <a:r>
+              <a:rPr lang="en-US" sz="1200" dirty="0"/>
+              <a:t>And then others are read-write services where it makes sense to both send data to the web service, and receive data back again.</a:t>
+            </a:r>
+          </a:p>
+        </p:txBody>
+      </p:sp>
+      <p:pic>
+        <p:nvPicPr>
+          <p:cNvPr id="4098" name="Picture 2"/>
+          <p:cNvPicPr>
+            <a:picLocks noChangeAspect="1" noChangeArrowheads="1"/>
+          </p:cNvPicPr>
+          <p:nvPr/>
+        </p:nvPicPr>
+        <p:blipFill>
+          <a:blip r:embed="rId3">
+            <a:extLst>
+              <a:ext uri="{28A0092B-C50C-407E-A947-70E740481C1C}">
+                <a14:useLocalDpi xmlns:a14="http://schemas.microsoft.com/office/drawing/2010/main" val="0"/>
+              </a:ext>
+            </a:extLst>
+          </a:blip>
+          <a:srcRect/>
+          <a:stretch>
+            <a:fillRect/>
+          </a:stretch>
+        </p:blipFill>
+        <p:spPr bwMode="auto">
+          <a:xfrm>
+            <a:off x="115558" y="2516187"/>
+            <a:ext cx="3390900" cy="1400175"/>
+          </a:xfrm>
+          <a:prstGeom prst="rect">
+            <a:avLst/>
+          </a:prstGeom>
+          <a:noFill/>
+          <a:ln>
+            <a:noFill/>
+          </a:ln>
+          <a:effectLst/>
+          <a:extLst>
+            <a:ext uri="{909E8E84-426E-40DD-AFC4-6F175D3DCCD1}">
+              <a14:hiddenFill xmlns:a14="http://schemas.microsoft.com/office/drawing/2010/main">
+                <a:solidFill>
+                  <a:schemeClr val="accent1"/>
+                </a:solidFill>
+              </a14:hiddenFill>
+            </a:ext>
+            <a:ext uri="{91240B29-F687-4F45-9708-019B960494DF}">
+              <a14:hiddenLine xmlns:a14="http://schemas.microsoft.com/office/drawing/2010/main" w="9525">
+                <a:solidFill>
+                  <a:schemeClr val="tx1"/>
+                </a:solidFill>
+                <a:miter lim="800000"/>
+                <a:headEnd/>
+                <a:tailEnd/>
+              </a14:hiddenLine>
+            </a:ext>
+            <a:ext uri="{AF507438-7753-43E0-B8FC-AC1667EBCBE1}">
+              <a14:hiddenEffects xmlns:a14="http://schemas.microsoft.com/office/drawing/2010/main">
+                <a:effectLst>
+                  <a:outerShdw dist="35921" dir="2700000" algn="ctr" rotWithShape="0">
+                    <a:schemeClr val="bg2"/>
+                  </a:outerShdw>
+                </a:effectLst>
+              </a14:hiddenEffects>
+            </a:ext>
+          </a:extLst>
+        </p:spPr>
+      </p:pic>
+      <p:pic>
+        <p:nvPicPr>
+          <p:cNvPr id="4099" name="Picture 3"/>
+          <p:cNvPicPr>
+            <a:picLocks noChangeAspect="1" noChangeArrowheads="1"/>
+          </p:cNvPicPr>
+          <p:nvPr/>
+        </p:nvPicPr>
+        <p:blipFill>
+          <a:blip r:embed="rId4">
+            <a:extLst>
+              <a:ext uri="{28A0092B-C50C-407E-A947-70E740481C1C}">
+                <a14:useLocalDpi xmlns:a14="http://schemas.microsoft.com/office/drawing/2010/main" val="0"/>
+              </a:ext>
+            </a:extLst>
+          </a:blip>
+          <a:srcRect/>
+          <a:stretch>
+            <a:fillRect/>
+          </a:stretch>
+        </p:blipFill>
+        <p:spPr bwMode="auto">
+          <a:xfrm>
+            <a:off x="5340285" y="2611437"/>
+            <a:ext cx="3486150" cy="1304925"/>
+          </a:xfrm>
+          <a:prstGeom prst="rect">
+            <a:avLst/>
+          </a:prstGeom>
+          <a:noFill/>
+          <a:ln>
+            <a:noFill/>
+          </a:ln>
+          <a:effectLst/>
+          <a:extLst>
+            <a:ext uri="{909E8E84-426E-40DD-AFC4-6F175D3DCCD1}">
+              <a14:hiddenFill xmlns:a14="http://schemas.microsoft.com/office/drawing/2010/main">
+                <a:solidFill>
+                  <a:schemeClr val="accent1"/>
+                </a:solidFill>
+              </a14:hiddenFill>
+            </a:ext>
+            <a:ext uri="{91240B29-F687-4F45-9708-019B960494DF}">
+              <a14:hiddenLine xmlns:a14="http://schemas.microsoft.com/office/drawing/2010/main" w="9525">
+                <a:solidFill>
+                  <a:schemeClr val="tx1"/>
+                </a:solidFill>
+                <a:miter lim="800000"/>
+                <a:headEnd/>
+                <a:tailEnd/>
+              </a14:hiddenLine>
+            </a:ext>
+            <a:ext uri="{AF507438-7753-43E0-B8FC-AC1667EBCBE1}">
+              <a14:hiddenEffects xmlns:a14="http://schemas.microsoft.com/office/drawing/2010/main">
+                <a:effectLst>
+                  <a:outerShdw dist="35921" dir="2700000" algn="ctr" rotWithShape="0">
+                    <a:schemeClr val="bg2"/>
+                  </a:outerShdw>
+                </a:effectLst>
+              </a14:hiddenEffects>
+            </a:ext>
+          </a:extLst>
+        </p:spPr>
+      </p:pic>
+      <p:pic>
+        <p:nvPicPr>
+          <p:cNvPr id="4100" name="Picture 4"/>
+          <p:cNvPicPr>
+            <a:picLocks noChangeAspect="1" noChangeArrowheads="1"/>
+          </p:cNvPicPr>
+          <p:nvPr/>
+        </p:nvPicPr>
+        <p:blipFill>
+          <a:blip r:embed="rId5">
+            <a:extLst>
+              <a:ext uri="{28A0092B-C50C-407E-A947-70E740481C1C}">
+                <a14:useLocalDpi xmlns:a14="http://schemas.microsoft.com/office/drawing/2010/main" val="0"/>
+              </a:ext>
+            </a:extLst>
+          </a:blip>
+          <a:srcRect/>
+          <a:stretch>
+            <a:fillRect/>
+          </a:stretch>
+        </p:blipFill>
+        <p:spPr bwMode="auto">
+          <a:xfrm>
+            <a:off x="3104019" y="3916362"/>
+            <a:ext cx="2665413" cy="1022246"/>
+          </a:xfrm>
+          <a:prstGeom prst="rect">
+            <a:avLst/>
+          </a:prstGeom>
+          <a:noFill/>
+          <a:ln>
+            <a:noFill/>
+          </a:ln>
+          <a:effectLst/>
+          <a:extLst>
+            <a:ext uri="{909E8E84-426E-40DD-AFC4-6F175D3DCCD1}">
+              <a14:hiddenFill xmlns:a14="http://schemas.microsoft.com/office/drawing/2010/main">
+                <a:solidFill>
+                  <a:schemeClr val="accent1"/>
+                </a:solidFill>
+              </a14:hiddenFill>
+            </a:ext>
+            <a:ext uri="{91240B29-F687-4F45-9708-019B960494DF}">
+              <a14:hiddenLine xmlns:a14="http://schemas.microsoft.com/office/drawing/2010/main" w="9525">
+                <a:solidFill>
+                  <a:schemeClr val="tx1"/>
+                </a:solidFill>
+                <a:miter lim="800000"/>
+                <a:headEnd/>
+                <a:tailEnd/>
+              </a14:hiddenLine>
+            </a:ext>
+            <a:ext uri="{AF507438-7753-43E0-B8FC-AC1667EBCBE1}">
+              <a14:hiddenEffects xmlns:a14="http://schemas.microsoft.com/office/drawing/2010/main">
+                <a:effectLst>
+                  <a:outerShdw dist="35921" dir="2700000" algn="ctr" rotWithShape="0">
+                    <a:schemeClr val="bg2"/>
+                  </a:outerShdw>
+                </a:effectLst>
+              </a14:hiddenEffects>
+            </a:ext>
+          </a:extLst>
+        </p:spPr>
+      </p:pic>
+    </p:spTree>
+    <p:extLst>
+      <p:ext uri="{BB962C8B-B14F-4D97-AF65-F5344CB8AC3E}">
+        <p14:creationId xmlns:p14="http://schemas.microsoft.com/office/powerpoint/2010/main" val="1170450882"/>
       </p:ext>
     </p:extLst>
   </p:cSld>
